--- a/slide.pptx
+++ b/slide.pptx
@@ -157,14 +157,14 @@
 
 <file path=ppt/commentAuthors.xml><?xml version="1.0" encoding="utf-8"?>
 <p:cmAuthorLst xmlns:a="http://schemas.openxmlformats.org/drawingml/2006/main" xmlns:r="http://schemas.openxmlformats.org/officeDocument/2006/relationships" xmlns:p="http://schemas.openxmlformats.org/presentationml/2006/main">
-  <p:cmAuthor id="4" name="Author" initials="A" lastIdx="0" clrIdx="3"/>
+  <p:cmAuthor id="5" name="Tác giả" initials="A" lastIdx="0" clrIdx="4"/>
 </p:cmAuthorLst>
 </file>
 
 <file path=ppt/charts/chart1.xml><?xml version="1.0" encoding="utf-8"?>
 <c:chartSpace xmlns:c="http://schemas.openxmlformats.org/drawingml/2006/chart" xmlns:a="http://schemas.openxmlformats.org/drawingml/2006/main" xmlns:r="http://schemas.openxmlformats.org/officeDocument/2006/relationships">
   <c:date1904 val="0"/>
-  <c:lang val="en-US"/>
+  <c:lang val="vi-VN"/>
   <c:roundedCorners val="0"/>
   <mc:AlternateContent xmlns:mc="http://schemas.openxmlformats.org/markup-compatibility/2006">
     <mc:Choice xmlns:c14="http://schemas.microsoft.com/office/drawing/2007/8/2/chart" Requires="c14">
@@ -355,11 +355,11 @@
         </c:dLbls>
         <c:marker val="1"/>
         <c:smooth val="0"/>
-        <c:axId val="-1521708048"/>
-        <c:axId val="-1521712944"/>
+        <c:axId val="261276992"/>
+        <c:axId val="261278168"/>
       </c:lineChart>
       <c:catAx>
-        <c:axId val="-1521708048"/>
+        <c:axId val="261276992"/>
         <c:scaling>
           <c:orientation val="minMax"/>
         </c:scaling>
@@ -479,7 +479,7 @@
             <a:endParaRPr lang="en-US"/>
           </a:p>
         </c:txPr>
-        <c:crossAx val="-1521712944"/>
+        <c:crossAx val="261278168"/>
         <c:crosses val="autoZero"/>
         <c:auto val="1"/>
         <c:lblAlgn val="ctr"/>
@@ -487,7 +487,7 @@
         <c:noMultiLvlLbl val="0"/>
       </c:catAx>
       <c:valAx>
-        <c:axId val="-1521712944"/>
+        <c:axId val="261278168"/>
         <c:scaling>
           <c:orientation val="minMax"/>
         </c:scaling>
@@ -622,7 +622,7 @@
             <a:endParaRPr lang="en-US"/>
           </a:p>
         </c:txPr>
-        <c:crossAx val="-1521708048"/>
+        <c:crossAx val="261276992"/>
         <c:crosses val="autoZero"/>
         <c:crossBetween val="between"/>
       </c:valAx>
@@ -695,7 +695,7 @@
 <file path=ppt/charts/chart2.xml><?xml version="1.0" encoding="utf-8"?>
 <c:chartSpace xmlns:c="http://schemas.openxmlformats.org/drawingml/2006/chart" xmlns:a="http://schemas.openxmlformats.org/drawingml/2006/main" xmlns:r="http://schemas.openxmlformats.org/officeDocument/2006/relationships">
   <c:date1904 val="0"/>
-  <c:lang val="en-US"/>
+  <c:lang val="vi-VN"/>
   <c:roundedCorners val="0"/>
   <mc:AlternateContent xmlns:mc="http://schemas.openxmlformats.org/markup-compatibility/2006">
     <mc:Choice xmlns:c14="http://schemas.microsoft.com/office/drawing/2007/8/2/chart" Requires="c14">
@@ -886,11 +886,11 @@
         </c:dLbls>
         <c:marker val="1"/>
         <c:smooth val="0"/>
-        <c:axId val="-1521713488"/>
-        <c:axId val="-1521710768"/>
+        <c:axId val="261278952"/>
+        <c:axId val="261280128"/>
       </c:lineChart>
       <c:catAx>
-        <c:axId val="-1521713488"/>
+        <c:axId val="261278952"/>
         <c:scaling>
           <c:orientation val="minMax"/>
         </c:scaling>
@@ -1002,7 +1002,7 @@
             <a:endParaRPr lang="en-US"/>
           </a:p>
         </c:txPr>
-        <c:crossAx val="-1521710768"/>
+        <c:crossAx val="261280128"/>
         <c:crosses val="autoZero"/>
         <c:auto val="1"/>
         <c:lblAlgn val="ctr"/>
@@ -1010,7 +1010,7 @@
         <c:noMultiLvlLbl val="0"/>
       </c:catAx>
       <c:valAx>
-        <c:axId val="-1521710768"/>
+        <c:axId val="261280128"/>
         <c:scaling>
           <c:orientation val="minMax"/>
         </c:scaling>
@@ -1130,7 +1130,7 @@
             <a:endParaRPr lang="en-US"/>
           </a:p>
         </c:txPr>
-        <c:crossAx val="-1521713488"/>
+        <c:crossAx val="261278952"/>
         <c:crosses val="autoZero"/>
         <c:crossBetween val="between"/>
       </c:valAx>
@@ -1203,7 +1203,7 @@
 <file path=ppt/charts/chart3.xml><?xml version="1.0" encoding="utf-8"?>
 <c:chartSpace xmlns:c="http://schemas.openxmlformats.org/drawingml/2006/chart" xmlns:a="http://schemas.openxmlformats.org/drawingml/2006/main" xmlns:r="http://schemas.openxmlformats.org/officeDocument/2006/relationships">
   <c:date1904 val="0"/>
-  <c:lang val="en-US"/>
+  <c:lang val="vi-VN"/>
   <c:roundedCorners val="0"/>
   <mc:AlternateContent xmlns:mc="http://schemas.openxmlformats.org/markup-compatibility/2006">
     <mc:Choice xmlns:c14="http://schemas.microsoft.com/office/drawing/2007/8/2/chart" Requires="c14">
@@ -1394,11 +1394,11 @@
         </c:dLbls>
         <c:marker val="1"/>
         <c:smooth val="0"/>
-        <c:axId val="-1521712400"/>
-        <c:axId val="-1521709680"/>
+        <c:axId val="261280912"/>
+        <c:axId val="261281304"/>
       </c:lineChart>
       <c:catAx>
-        <c:axId val="-1521712400"/>
+        <c:axId val="261280912"/>
         <c:scaling>
           <c:orientation val="minMax"/>
         </c:scaling>
@@ -1510,7 +1510,7 @@
             <a:endParaRPr lang="en-US"/>
           </a:p>
         </c:txPr>
-        <c:crossAx val="-1521709680"/>
+        <c:crossAx val="261281304"/>
         <c:crosses val="autoZero"/>
         <c:auto val="1"/>
         <c:lblAlgn val="ctr"/>
@@ -1518,7 +1518,7 @@
         <c:noMultiLvlLbl val="0"/>
       </c:catAx>
       <c:valAx>
-        <c:axId val="-1521709680"/>
+        <c:axId val="261281304"/>
         <c:scaling>
           <c:orientation val="minMax"/>
         </c:scaling>
@@ -1638,7 +1638,7 @@
             <a:endParaRPr lang="en-US"/>
           </a:p>
         </c:txPr>
-        <c:crossAx val="-1521712400"/>
+        <c:crossAx val="261280912"/>
         <c:crosses val="autoZero"/>
         <c:crossBetween val="between"/>
       </c:valAx>
@@ -1711,7 +1711,7 @@
 <file path=ppt/charts/chart4.xml><?xml version="1.0" encoding="utf-8"?>
 <c:chartSpace xmlns:c="http://schemas.openxmlformats.org/drawingml/2006/chart" xmlns:a="http://schemas.openxmlformats.org/drawingml/2006/main" xmlns:r="http://schemas.openxmlformats.org/officeDocument/2006/relationships">
   <c:date1904 val="0"/>
-  <c:lang val="en-US"/>
+  <c:lang val="vi-VN"/>
   <c:roundedCorners val="0"/>
   <mc:AlternateContent xmlns:mc="http://schemas.openxmlformats.org/markup-compatibility/2006">
     <mc:Choice xmlns:c14="http://schemas.microsoft.com/office/drawing/2007/8/2/chart" Requires="c14">
@@ -1902,11 +1902,11 @@
         </c:dLbls>
         <c:marker val="1"/>
         <c:smooth val="0"/>
-        <c:axId val="-1521706960"/>
-        <c:axId val="-1521714032"/>
+        <c:axId val="224785656"/>
+        <c:axId val="319581680"/>
       </c:lineChart>
       <c:catAx>
-        <c:axId val="-1521706960"/>
+        <c:axId val="224785656"/>
         <c:scaling>
           <c:orientation val="minMax"/>
         </c:scaling>
@@ -2018,7 +2018,7 @@
             <a:endParaRPr lang="en-US"/>
           </a:p>
         </c:txPr>
-        <c:crossAx val="-1521714032"/>
+        <c:crossAx val="319581680"/>
         <c:crosses val="autoZero"/>
         <c:auto val="1"/>
         <c:lblAlgn val="ctr"/>
@@ -2026,7 +2026,7 @@
         <c:noMultiLvlLbl val="0"/>
       </c:catAx>
       <c:valAx>
-        <c:axId val="-1521714032"/>
+        <c:axId val="319581680"/>
         <c:scaling>
           <c:orientation val="minMax"/>
         </c:scaling>
@@ -2146,7 +2146,7 @@
             <a:endParaRPr lang="en-US"/>
           </a:p>
         </c:txPr>
-        <c:crossAx val="-1521706960"/>
+        <c:crossAx val="224785656"/>
         <c:crosses val="autoZero"/>
         <c:crossBetween val="between"/>
       </c:valAx>
@@ -2219,7 +2219,7 @@
 <file path=ppt/charts/chart5.xml><?xml version="1.0" encoding="utf-8"?>
 <c:chartSpace xmlns:c="http://schemas.openxmlformats.org/drawingml/2006/chart" xmlns:a="http://schemas.openxmlformats.org/drawingml/2006/main" xmlns:r="http://schemas.openxmlformats.org/officeDocument/2006/relationships">
   <c:date1904 val="0"/>
-  <c:lang val="en-US"/>
+  <c:lang val="vi-VN"/>
   <c:roundedCorners val="0"/>
   <mc:AlternateContent xmlns:mc="http://schemas.openxmlformats.org/markup-compatibility/2006">
     <mc:Choice xmlns:c14="http://schemas.microsoft.com/office/drawing/2007/8/2/chart" Requires="c14">
@@ -2410,11 +2410,11 @@
         </c:dLbls>
         <c:marker val="1"/>
         <c:smooth val="0"/>
-        <c:axId val="-1521589024"/>
-        <c:axId val="-1521583584"/>
+        <c:axId val="319579328"/>
+        <c:axId val="319579720"/>
       </c:lineChart>
       <c:catAx>
-        <c:axId val="-1521589024"/>
+        <c:axId val="319579328"/>
         <c:scaling>
           <c:orientation val="minMax"/>
         </c:scaling>
@@ -2526,7 +2526,7 @@
             <a:endParaRPr lang="en-US"/>
           </a:p>
         </c:txPr>
-        <c:crossAx val="-1521583584"/>
+        <c:crossAx val="319579720"/>
         <c:crosses val="autoZero"/>
         <c:auto val="1"/>
         <c:lblAlgn val="ctr"/>
@@ -2534,7 +2534,7 @@
         <c:noMultiLvlLbl val="0"/>
       </c:catAx>
       <c:valAx>
-        <c:axId val="-1521583584"/>
+        <c:axId val="319579720"/>
         <c:scaling>
           <c:orientation val="minMax"/>
         </c:scaling>
@@ -2654,7 +2654,7 @@
             <a:endParaRPr lang="en-US"/>
           </a:p>
         </c:txPr>
-        <c:crossAx val="-1521589024"/>
+        <c:crossAx val="319579328"/>
         <c:crosses val="autoZero"/>
         <c:crossBetween val="between"/>
       </c:valAx>
@@ -2727,7 +2727,7 @@
 <file path=ppt/charts/chart6.xml><?xml version="1.0" encoding="utf-8"?>
 <c:chartSpace xmlns:c="http://schemas.openxmlformats.org/drawingml/2006/chart" xmlns:a="http://schemas.openxmlformats.org/drawingml/2006/main" xmlns:r="http://schemas.openxmlformats.org/officeDocument/2006/relationships">
   <c:date1904 val="0"/>
-  <c:lang val="en-US"/>
+  <c:lang val="vi-VN"/>
   <c:roundedCorners val="0"/>
   <mc:AlternateContent xmlns:mc="http://schemas.openxmlformats.org/markup-compatibility/2006">
     <mc:Choice xmlns:c14="http://schemas.microsoft.com/office/drawing/2007/8/2/chart" Requires="c14">
@@ -2825,11 +2825,11 @@
           <c:showBubbleSize val="0"/>
         </c:dLbls>
         <c:gapWidth val="182"/>
-        <c:axId val="-1521587936"/>
-        <c:axId val="-1521583040"/>
+        <c:axId val="319582464"/>
+        <c:axId val="319585600"/>
       </c:barChart>
       <c:catAx>
-        <c:axId val="-1521587936"/>
+        <c:axId val="319582464"/>
         <c:scaling>
           <c:orientation val="minMax"/>
         </c:scaling>
@@ -2872,7 +2872,7 @@
             <a:endParaRPr lang="en-US"/>
           </a:p>
         </c:txPr>
-        <c:crossAx val="-1521583040"/>
+        <c:crossAx val="319585600"/>
         <c:crosses val="autoZero"/>
         <c:auto val="1"/>
         <c:lblAlgn val="ctr"/>
@@ -2880,7 +2880,7 @@
         <c:noMultiLvlLbl val="0"/>
       </c:catAx>
       <c:valAx>
-        <c:axId val="-1521583040"/>
+        <c:axId val="319585600"/>
         <c:scaling>
           <c:orientation val="minMax"/>
           <c:max val="10"/>
@@ -2986,22 +2986,22 @@
           <a:lstStyle/>
           <a:p>
             <a:pPr>
-              <a:defRPr sz="900" b="0" i="0" u="none" strike="noStrike" kern="1200" baseline="0">
+              <a:defRPr sz="1500" b="0" i="0" u="none" strike="noStrike" kern="1200" baseline="0">
                 <a:solidFill>
                   <a:schemeClr val="tx1">
                     <a:lumMod val="65000"/>
                     <a:lumOff val="35000"/>
                   </a:schemeClr>
                 </a:solidFill>
-                <a:latin typeface="+mn-lt"/>
+                <a:latin typeface="Times New Roman" panose="02020603050405020304" pitchFamily="18" charset="0"/>
                 <a:ea typeface="+mn-ea"/>
-                <a:cs typeface="+mn-cs"/>
+                <a:cs typeface="Times New Roman" panose="02020603050405020304" pitchFamily="18" charset="0"/>
               </a:defRPr>
             </a:pPr>
             <a:endParaRPr lang="en-US"/>
           </a:p>
         </c:txPr>
-        <c:crossAx val="-1521587936"/>
+        <c:crossAx val="319582464"/>
         <c:crosses val="autoZero"/>
         <c:crossBetween val="between"/>
       </c:valAx>
@@ -3043,7 +3043,7 @@
 <file path=ppt/charts/chart7.xml><?xml version="1.0" encoding="utf-8"?>
 <c:chartSpace xmlns:c="http://schemas.openxmlformats.org/drawingml/2006/chart" xmlns:a="http://schemas.openxmlformats.org/drawingml/2006/main" xmlns:r="http://schemas.openxmlformats.org/officeDocument/2006/relationships">
   <c:date1904 val="0"/>
-  <c:lang val="en-US"/>
+  <c:lang val="vi-VN"/>
   <c:roundedCorners val="0"/>
   <mc:AlternateContent xmlns:mc="http://schemas.openxmlformats.org/markup-compatibility/2006">
     <mc:Choice xmlns:c14="http://schemas.microsoft.com/office/drawing/2007/8/2/chart" Requires="c14">
@@ -3131,11 +3131,11 @@
           <c:showBubbleSize val="0"/>
         </c:dLbls>
         <c:gapWidth val="182"/>
-        <c:axId val="-1521588480"/>
-        <c:axId val="-1521585760"/>
+        <c:axId val="319584032"/>
+        <c:axId val="319584816"/>
       </c:barChart>
       <c:catAx>
-        <c:axId val="-1521588480"/>
+        <c:axId val="319584032"/>
         <c:scaling>
           <c:orientation val="minMax"/>
         </c:scaling>
@@ -3178,7 +3178,7 @@
             <a:endParaRPr lang="en-US"/>
           </a:p>
         </c:txPr>
-        <c:crossAx val="-1521585760"/>
+        <c:crossAx val="319584816"/>
         <c:crosses val="autoZero"/>
         <c:auto val="1"/>
         <c:lblAlgn val="ctr"/>
@@ -3186,7 +3186,7 @@
         <c:noMultiLvlLbl val="0"/>
       </c:catAx>
       <c:valAx>
-        <c:axId val="-1521585760"/>
+        <c:axId val="319584816"/>
         <c:scaling>
           <c:orientation val="minMax"/>
         </c:scaling>
@@ -3300,7 +3300,7 @@
             <a:endParaRPr lang="en-US"/>
           </a:p>
         </c:txPr>
-        <c:crossAx val="-1521588480"/>
+        <c:crossAx val="319584032"/>
         <c:crosses val="autoZero"/>
         <c:crossBetween val="between"/>
       </c:valAx>
@@ -3345,7 +3345,7 @@
 <file path=ppt/charts/chart8.xml><?xml version="1.0" encoding="utf-8"?>
 <c:chartSpace xmlns:c="http://schemas.openxmlformats.org/drawingml/2006/chart" xmlns:a="http://schemas.openxmlformats.org/drawingml/2006/main" xmlns:r="http://schemas.openxmlformats.org/officeDocument/2006/relationships">
   <c:date1904 val="0"/>
-  <c:lang val="en-US"/>
+  <c:lang val="vi-VN"/>
   <c:roundedCorners val="0"/>
   <mc:AlternateContent xmlns:mc="http://schemas.openxmlformats.org/markup-compatibility/2006">
     <mc:Choice xmlns:c14="http://schemas.microsoft.com/office/drawing/2007/8/2/chart" Requires="c14">
@@ -3433,11 +3433,11 @@
           <c:showBubbleSize val="0"/>
         </c:dLbls>
         <c:gapWidth val="182"/>
-        <c:axId val="-1518520928"/>
-        <c:axId val="-1518523648"/>
+        <c:axId val="319582856"/>
+        <c:axId val="319585208"/>
       </c:barChart>
       <c:catAx>
-        <c:axId val="-1518520928"/>
+        <c:axId val="319582856"/>
         <c:scaling>
           <c:orientation val="minMax"/>
         </c:scaling>
@@ -3480,7 +3480,7 @@
             <a:endParaRPr lang="en-US"/>
           </a:p>
         </c:txPr>
-        <c:crossAx val="-1518523648"/>
+        <c:crossAx val="319585208"/>
         <c:crosses val="autoZero"/>
         <c:auto val="1"/>
         <c:lblAlgn val="ctr"/>
@@ -3488,7 +3488,7 @@
         <c:noMultiLvlLbl val="0"/>
       </c:catAx>
       <c:valAx>
-        <c:axId val="-1518523648"/>
+        <c:axId val="319585208"/>
         <c:scaling>
           <c:orientation val="minMax"/>
           <c:min val="0"/>
@@ -3516,7 +3516,7 @@
               <a:lstStyle/>
               <a:p>
                 <a:pPr>
-                  <a:defRPr sz="1000" b="0" i="0" u="none" strike="noStrike" kern="1200" baseline="0">
+                  <a:defRPr sz="1500" b="0" i="0" u="none" strike="noStrike" kern="1200" baseline="0">
                     <a:solidFill>
                       <a:schemeClr val="tx1">
                         <a:lumMod val="65000"/>
@@ -3529,20 +3529,20 @@
                   </a:defRPr>
                 </a:pPr>
                 <a:r>
-                  <a:rPr lang="en-US">
+                  <a:rPr lang="en-US" sz="1500">
                     <a:latin typeface="Times New Roman" panose="02020603050405020304" pitchFamily="18" charset="0"/>
                     <a:cs typeface="Times New Roman" panose="02020603050405020304" pitchFamily="18" charset="0"/>
                   </a:rPr>
                   <a:t>Mức</a:t>
                 </a:r>
                 <a:r>
-                  <a:rPr lang="en-US" baseline="0">
+                  <a:rPr lang="en-US" sz="1500" baseline="0">
                     <a:latin typeface="Times New Roman" panose="02020603050405020304" pitchFamily="18" charset="0"/>
                     <a:cs typeface="Times New Roman" panose="02020603050405020304" pitchFamily="18" charset="0"/>
                   </a:rPr>
                   <a:t> độ đánh giá</a:t>
                 </a:r>
-                <a:endParaRPr lang="en-US">
+                <a:endParaRPr lang="en-US" sz="1500">
                   <a:latin typeface="Times New Roman" panose="02020603050405020304" pitchFamily="18" charset="0"/>
                   <a:cs typeface="Times New Roman" panose="02020603050405020304" pitchFamily="18" charset="0"/>
                 </a:endParaRPr>
@@ -3562,7 +3562,7 @@
             <a:lstStyle/>
             <a:p>
               <a:pPr>
-                <a:defRPr sz="1000" b="0" i="0" u="none" strike="noStrike" kern="1200" baseline="0">
+                <a:defRPr sz="1500" b="0" i="0" u="none" strike="noStrike" kern="1200" baseline="0">
                   <a:solidFill>
                     <a:schemeClr val="tx1">
                       <a:lumMod val="65000"/>
@@ -3594,22 +3594,22 @@
           <a:lstStyle/>
           <a:p>
             <a:pPr>
-              <a:defRPr sz="900" b="0" i="0" u="none" strike="noStrike" kern="1200" baseline="0">
+              <a:defRPr sz="1500" b="0" i="0" u="none" strike="noStrike" kern="1200" baseline="0">
                 <a:solidFill>
                   <a:schemeClr val="tx1">
                     <a:lumMod val="65000"/>
                     <a:lumOff val="35000"/>
                   </a:schemeClr>
                 </a:solidFill>
-                <a:latin typeface="+mn-lt"/>
+                <a:latin typeface="Times New Roman" panose="02020603050405020304" pitchFamily="18" charset="0"/>
                 <a:ea typeface="+mn-ea"/>
-                <a:cs typeface="+mn-cs"/>
+                <a:cs typeface="Times New Roman" panose="02020603050405020304" pitchFamily="18" charset="0"/>
               </a:defRPr>
             </a:pPr>
             <a:endParaRPr lang="en-US"/>
           </a:p>
         </c:txPr>
-        <c:crossAx val="-1518520928"/>
+        <c:crossAx val="319582856"/>
         <c:crosses val="autoZero"/>
         <c:crossBetween val="between"/>
       </c:valAx>
@@ -8080,7 +8080,7 @@
           <a:p>
             <a:fld id="{20EA5F0D-C1DC-412F-A146-DDB3A74B588F}" type="datetimeFigureOut">
               <a:rPr lang="en-US"/>
-              <a:t>14/07/2016</a:t>
+              <a:t>7/14/2016</a:t>
             </a:fld>
             <a:endParaRPr/>
           </a:p>
@@ -8245,7 +8245,7 @@
           <a:p>
             <a:fld id="{A8CDE508-72C8-4AB5-AA9C-1584D31690E0}" type="datetimeFigureOut">
               <a:rPr lang="en-US"/>
-              <a:t>14/07/2016</a:t>
+              <a:t>7/14/2016</a:t>
             </a:fld>
             <a:endParaRPr/>
           </a:p>
@@ -14361,14 +14361,170 @@
               <a:buChar char="-"/>
             </a:pPr>
             <a:r>
-              <a:rPr lang="en-US" smtClean="0"/>
+              <a:rPr lang="en-US" dirty="0" err="1" smtClean="0"/>
               <a:t>Nội</a:t>
             </a:r>
             <a:r>
-              <a:rPr lang="en-US" baseline="0" smtClean="0"/>
-              <a:t> dung phần tiếp theo sẽ tập trung vào ứng dụng, các giải pháp được lựa chọn cho hệ thống ứng dụng</a:t>
-            </a:r>
-            <a:endParaRPr lang="en-US"/>
+              <a:rPr lang="en-US" baseline="0" dirty="0" smtClean="0"/>
+              <a:t> dung </a:t>
+            </a:r>
+            <a:r>
+              <a:rPr lang="en-US" baseline="0" dirty="0" err="1" smtClean="0"/>
+              <a:t>phần</a:t>
+            </a:r>
+            <a:r>
+              <a:rPr lang="en-US" baseline="0" dirty="0" smtClean="0"/>
+              <a:t> </a:t>
+            </a:r>
+            <a:r>
+              <a:rPr lang="en-US" baseline="0" dirty="0" err="1" smtClean="0"/>
+              <a:t>tiếp</a:t>
+            </a:r>
+            <a:r>
+              <a:rPr lang="en-US" baseline="0" dirty="0" smtClean="0"/>
+              <a:t> </a:t>
+            </a:r>
+            <a:r>
+              <a:rPr lang="en-US" baseline="0" dirty="0" err="1" smtClean="0"/>
+              <a:t>theo</a:t>
+            </a:r>
+            <a:r>
+              <a:rPr lang="en-US" baseline="0" dirty="0" smtClean="0"/>
+              <a:t> </a:t>
+            </a:r>
+            <a:r>
+              <a:rPr lang="en-US" baseline="0" dirty="0" err="1" smtClean="0"/>
+              <a:t>sẽ</a:t>
+            </a:r>
+            <a:r>
+              <a:rPr lang="en-US" baseline="0" dirty="0" smtClean="0"/>
+              <a:t> </a:t>
+            </a:r>
+            <a:r>
+              <a:rPr lang="en-US" baseline="0" dirty="0" err="1" smtClean="0"/>
+              <a:t>tập</a:t>
+            </a:r>
+            <a:r>
+              <a:rPr lang="en-US" baseline="0" dirty="0" smtClean="0"/>
+              <a:t> </a:t>
+            </a:r>
+            <a:r>
+              <a:rPr lang="en-US" baseline="0" dirty="0" err="1" smtClean="0"/>
+              <a:t>trung</a:t>
+            </a:r>
+            <a:r>
+              <a:rPr lang="en-US" baseline="0" dirty="0" smtClean="0"/>
+              <a:t> </a:t>
+            </a:r>
+            <a:r>
+              <a:rPr lang="en-US" baseline="0" dirty="0" err="1" smtClean="0"/>
+              <a:t>vào</a:t>
+            </a:r>
+            <a:r>
+              <a:rPr lang="en-US" baseline="0" dirty="0" smtClean="0"/>
+              <a:t> </a:t>
+            </a:r>
+            <a:r>
+              <a:rPr lang="en-US" baseline="0" dirty="0" err="1" smtClean="0"/>
+              <a:t>ứng</a:t>
+            </a:r>
+            <a:r>
+              <a:rPr lang="en-US" baseline="0" dirty="0" smtClean="0"/>
+              <a:t> </a:t>
+            </a:r>
+            <a:r>
+              <a:rPr lang="en-US" baseline="0" dirty="0" err="1" smtClean="0"/>
+              <a:t>dụng</a:t>
+            </a:r>
+            <a:r>
+              <a:rPr lang="en-US" baseline="0" dirty="0" smtClean="0"/>
+              <a:t>, </a:t>
+            </a:r>
+            <a:r>
+              <a:rPr lang="en-US" baseline="0" dirty="0" err="1" smtClean="0"/>
+              <a:t>các</a:t>
+            </a:r>
+            <a:r>
+              <a:rPr lang="en-US" baseline="0" dirty="0" smtClean="0"/>
+              <a:t> </a:t>
+            </a:r>
+            <a:r>
+              <a:rPr lang="en-US" baseline="0" dirty="0" err="1" smtClean="0"/>
+              <a:t>giải</a:t>
+            </a:r>
+            <a:r>
+              <a:rPr lang="en-US" baseline="0" dirty="0" smtClean="0"/>
+              <a:t> </a:t>
+            </a:r>
+            <a:r>
+              <a:rPr lang="en-US" baseline="0" dirty="0" err="1" smtClean="0"/>
+              <a:t>pháp</a:t>
+            </a:r>
+            <a:r>
+              <a:rPr lang="en-US" baseline="0" dirty="0" smtClean="0"/>
+              <a:t> </a:t>
+            </a:r>
+            <a:r>
+              <a:rPr lang="en-US" baseline="0" dirty="0" err="1" smtClean="0"/>
+              <a:t>được</a:t>
+            </a:r>
+            <a:r>
+              <a:rPr lang="en-US" baseline="0" dirty="0" smtClean="0"/>
+              <a:t> </a:t>
+            </a:r>
+            <a:r>
+              <a:rPr lang="en-US" baseline="0" dirty="0" err="1" smtClean="0"/>
+              <a:t>lựa</a:t>
+            </a:r>
+            <a:r>
+              <a:rPr lang="en-US" baseline="0" dirty="0" smtClean="0"/>
+              <a:t> </a:t>
+            </a:r>
+            <a:r>
+              <a:rPr lang="en-US" baseline="0" dirty="0" err="1" smtClean="0"/>
+              <a:t>chọn</a:t>
+            </a:r>
+            <a:r>
+              <a:rPr lang="en-US" baseline="0" dirty="0" smtClean="0"/>
+              <a:t> </a:t>
+            </a:r>
+            <a:r>
+              <a:rPr lang="en-US" baseline="0" dirty="0" err="1" smtClean="0"/>
+              <a:t>cho</a:t>
+            </a:r>
+            <a:r>
+              <a:rPr lang="en-US" baseline="0" dirty="0" smtClean="0"/>
+              <a:t> </a:t>
+            </a:r>
+            <a:r>
+              <a:rPr lang="en-US" baseline="0" dirty="0" err="1" smtClean="0"/>
+              <a:t>hệ</a:t>
+            </a:r>
+            <a:r>
+              <a:rPr lang="en-US" baseline="0" dirty="0" smtClean="0"/>
+              <a:t> </a:t>
+            </a:r>
+            <a:r>
+              <a:rPr lang="en-US" baseline="0" dirty="0" err="1" smtClean="0"/>
+              <a:t>thống</a:t>
+            </a:r>
+            <a:r>
+              <a:rPr lang="en-US" baseline="0" dirty="0" smtClean="0"/>
+              <a:t> </a:t>
+            </a:r>
+            <a:r>
+              <a:rPr lang="en-US" baseline="0" dirty="0" err="1" smtClean="0"/>
+              <a:t>ứng</a:t>
+            </a:r>
+            <a:r>
+              <a:rPr lang="en-US" baseline="0" dirty="0" smtClean="0"/>
+              <a:t> </a:t>
+            </a:r>
+            <a:r>
+              <a:rPr lang="en-US" baseline="0" dirty="0" err="1" smtClean="0"/>
+              <a:t>dụng</a:t>
+            </a:r>
+            <a:endParaRPr lang="en-US" dirty="0"/>
           </a:p>
         </p:txBody>
       </p:sp>
@@ -23380,14 +23536,14 @@
           <p:nvPr>
             <p:extLst>
               <p:ext uri="{D42A27DB-BD31-4B8C-83A1-F6EECF244321}">
-                <p14:modId xmlns:p14="http://schemas.microsoft.com/office/powerpoint/2010/main" val="1229496832"/>
+                <p14:modId xmlns:p14="http://schemas.microsoft.com/office/powerpoint/2010/main" val="1332406191"/>
               </p:ext>
             </p:extLst>
           </p:nvPr>
         </p:nvGraphicFramePr>
         <p:xfrm>
           <a:off x="1981200" y="1650332"/>
-          <a:ext cx="8229600" cy="4572000"/>
+          <a:ext cx="8229600" cy="3657600"/>
         </p:xfrm>
         <a:graphic>
           <a:graphicData uri="http://schemas.openxmlformats.org/drawingml/2006/chart">
@@ -23395,6 +23551,182 @@
           </a:graphicData>
         </a:graphic>
       </p:graphicFrame>
+      <p:sp>
+        <p:nvSpPr>
+          <p:cNvPr id="3" name="Hộp Văn bản 2"/>
+          <p:cNvSpPr txBox="1"/>
+          <p:nvPr/>
+        </p:nvSpPr>
+        <p:spPr>
+          <a:xfrm>
+            <a:off x="1956262" y="5602778"/>
+            <a:ext cx="8279476" cy="477054"/>
+          </a:xfrm>
+          <a:prstGeom prst="rect">
+            <a:avLst/>
+          </a:prstGeom>
+          <a:noFill/>
+        </p:spPr>
+        <p:txBody>
+          <a:bodyPr wrap="square" rtlCol="0">
+            <a:spAutoFit/>
+          </a:bodyPr>
+          <a:lstStyle/>
+          <a:p>
+            <a:r>
+              <a:rPr lang="en-US" sz="2500" dirty="0" err="1" smtClean="0">
+                <a:latin typeface="Times New Roman" panose="02020603050405020304" pitchFamily="18" charset="0"/>
+                <a:cs typeface="Times New Roman" panose="02020603050405020304" pitchFamily="18" charset="0"/>
+              </a:rPr>
+              <a:t>Biểu</a:t>
+            </a:r>
+            <a:r>
+              <a:rPr lang="en-US" sz="2500" dirty="0" smtClean="0">
+                <a:latin typeface="Times New Roman" panose="02020603050405020304" pitchFamily="18" charset="0"/>
+                <a:cs typeface="Times New Roman" panose="02020603050405020304" pitchFamily="18" charset="0"/>
+              </a:rPr>
+              <a:t> </a:t>
+            </a:r>
+            <a:r>
+              <a:rPr lang="en-US" sz="2500" dirty="0" err="1" smtClean="0">
+                <a:latin typeface="Times New Roman" panose="02020603050405020304" pitchFamily="18" charset="0"/>
+                <a:cs typeface="Times New Roman" panose="02020603050405020304" pitchFamily="18" charset="0"/>
+              </a:rPr>
+              <a:t>đồ</a:t>
+            </a:r>
+            <a:r>
+              <a:rPr lang="en-US" sz="2500" dirty="0" smtClean="0">
+                <a:latin typeface="Times New Roman" panose="02020603050405020304" pitchFamily="18" charset="0"/>
+                <a:cs typeface="Times New Roman" panose="02020603050405020304" pitchFamily="18" charset="0"/>
+              </a:rPr>
+              <a:t> </a:t>
+            </a:r>
+            <a:r>
+              <a:rPr lang="en-US" sz="2500" dirty="0" err="1" smtClean="0">
+                <a:latin typeface="Times New Roman" panose="02020603050405020304" pitchFamily="18" charset="0"/>
+                <a:cs typeface="Times New Roman" panose="02020603050405020304" pitchFamily="18" charset="0"/>
+              </a:rPr>
+              <a:t>thực</a:t>
+            </a:r>
+            <a:r>
+              <a:rPr lang="en-US" sz="2500" dirty="0" smtClean="0">
+                <a:latin typeface="Times New Roman" panose="02020603050405020304" pitchFamily="18" charset="0"/>
+                <a:cs typeface="Times New Roman" panose="02020603050405020304" pitchFamily="18" charset="0"/>
+              </a:rPr>
+              <a:t> </a:t>
+            </a:r>
+            <a:r>
+              <a:rPr lang="en-US" sz="2500" dirty="0" err="1" smtClean="0">
+                <a:latin typeface="Times New Roman" panose="02020603050405020304" pitchFamily="18" charset="0"/>
+                <a:cs typeface="Times New Roman" panose="02020603050405020304" pitchFamily="18" charset="0"/>
+              </a:rPr>
+              <a:t>nghiệm</a:t>
+            </a:r>
+            <a:r>
+              <a:rPr lang="en-US" sz="2500" dirty="0" smtClean="0">
+                <a:latin typeface="Times New Roman" panose="02020603050405020304" pitchFamily="18" charset="0"/>
+                <a:cs typeface="Times New Roman" panose="02020603050405020304" pitchFamily="18" charset="0"/>
+              </a:rPr>
+              <a:t> </a:t>
+            </a:r>
+            <a:r>
+              <a:rPr lang="en-US" sz="2500" dirty="0" err="1" smtClean="0">
+                <a:latin typeface="Times New Roman" panose="02020603050405020304" pitchFamily="18" charset="0"/>
+                <a:cs typeface="Times New Roman" panose="02020603050405020304" pitchFamily="18" charset="0"/>
+              </a:rPr>
+              <a:t>chức</a:t>
+            </a:r>
+            <a:r>
+              <a:rPr lang="en-US" sz="2500" dirty="0" smtClean="0">
+                <a:latin typeface="Times New Roman" panose="02020603050405020304" pitchFamily="18" charset="0"/>
+                <a:cs typeface="Times New Roman" panose="02020603050405020304" pitchFamily="18" charset="0"/>
+              </a:rPr>
+              <a:t> </a:t>
+            </a:r>
+            <a:r>
+              <a:rPr lang="en-US" sz="2500" dirty="0" err="1" smtClean="0">
+                <a:latin typeface="Times New Roman" panose="02020603050405020304" pitchFamily="18" charset="0"/>
+                <a:cs typeface="Times New Roman" panose="02020603050405020304" pitchFamily="18" charset="0"/>
+              </a:rPr>
+              <a:t>năng</a:t>
+            </a:r>
+            <a:r>
+              <a:rPr lang="en-US" sz="2500" dirty="0" smtClean="0">
+                <a:latin typeface="Times New Roman" panose="02020603050405020304" pitchFamily="18" charset="0"/>
+                <a:cs typeface="Times New Roman" panose="02020603050405020304" pitchFamily="18" charset="0"/>
+              </a:rPr>
+              <a:t> </a:t>
+            </a:r>
+            <a:r>
+              <a:rPr lang="en-US" sz="2500" dirty="0" err="1" smtClean="0">
+                <a:latin typeface="Times New Roman" panose="02020603050405020304" pitchFamily="18" charset="0"/>
+                <a:cs typeface="Times New Roman" panose="02020603050405020304" pitchFamily="18" charset="0"/>
+              </a:rPr>
+              <a:t>truy</a:t>
+            </a:r>
+            <a:r>
+              <a:rPr lang="en-US" sz="2500" dirty="0" smtClean="0">
+                <a:latin typeface="Times New Roman" panose="02020603050405020304" pitchFamily="18" charset="0"/>
+                <a:cs typeface="Times New Roman" panose="02020603050405020304" pitchFamily="18" charset="0"/>
+              </a:rPr>
+              <a:t> </a:t>
+            </a:r>
+            <a:r>
+              <a:rPr lang="en-US" sz="2500" dirty="0" err="1" smtClean="0">
+                <a:latin typeface="Times New Roman" panose="02020603050405020304" pitchFamily="18" charset="0"/>
+                <a:cs typeface="Times New Roman" panose="02020603050405020304" pitchFamily="18" charset="0"/>
+              </a:rPr>
+              <a:t>vấn</a:t>
+            </a:r>
+            <a:r>
+              <a:rPr lang="en-US" sz="2500" dirty="0" smtClean="0">
+                <a:latin typeface="Times New Roman" panose="02020603050405020304" pitchFamily="18" charset="0"/>
+                <a:cs typeface="Times New Roman" panose="02020603050405020304" pitchFamily="18" charset="0"/>
+              </a:rPr>
+              <a:t> </a:t>
+            </a:r>
+            <a:r>
+              <a:rPr lang="en-US" sz="2500" dirty="0" err="1" smtClean="0">
+                <a:latin typeface="Times New Roman" panose="02020603050405020304" pitchFamily="18" charset="0"/>
+                <a:cs typeface="Times New Roman" panose="02020603050405020304" pitchFamily="18" charset="0"/>
+              </a:rPr>
+              <a:t>thông</a:t>
+            </a:r>
+            <a:r>
+              <a:rPr lang="en-US" sz="2500" dirty="0" smtClean="0">
+                <a:latin typeface="Times New Roman" panose="02020603050405020304" pitchFamily="18" charset="0"/>
+                <a:cs typeface="Times New Roman" panose="02020603050405020304" pitchFamily="18" charset="0"/>
+              </a:rPr>
+              <a:t> tin </a:t>
+            </a:r>
+            <a:r>
+              <a:rPr lang="en-US" sz="2500" dirty="0" err="1" smtClean="0">
+                <a:latin typeface="Times New Roman" panose="02020603050405020304" pitchFamily="18" charset="0"/>
+                <a:cs typeface="Times New Roman" panose="02020603050405020304" pitchFamily="18" charset="0"/>
+              </a:rPr>
+              <a:t>người</a:t>
+            </a:r>
+            <a:r>
+              <a:rPr lang="en-US" sz="2500" dirty="0" smtClean="0">
+                <a:latin typeface="Times New Roman" panose="02020603050405020304" pitchFamily="18" charset="0"/>
+                <a:cs typeface="Times New Roman" panose="02020603050405020304" pitchFamily="18" charset="0"/>
+              </a:rPr>
+              <a:t> </a:t>
+            </a:r>
+            <a:r>
+              <a:rPr lang="en-US" sz="2500" dirty="0" err="1" smtClean="0">
+                <a:latin typeface="Times New Roman" panose="02020603050405020304" pitchFamily="18" charset="0"/>
+                <a:cs typeface="Times New Roman" panose="02020603050405020304" pitchFamily="18" charset="0"/>
+              </a:rPr>
+              <a:t>dùng</a:t>
+            </a:r>
+            <a:endParaRPr lang="en-US" sz="2500" dirty="0">
+              <a:latin typeface="Times New Roman" panose="02020603050405020304" pitchFamily="18" charset="0"/>
+              <a:cs typeface="Times New Roman" panose="02020603050405020304" pitchFamily="18" charset="0"/>
+            </a:endParaRPr>
+          </a:p>
+        </p:txBody>
+      </p:sp>
     </p:spTree>
     <p:extLst>
       <p:ext uri="{BB962C8B-B14F-4D97-AF65-F5344CB8AC3E}">
@@ -23515,14 +23847,14 @@
           <p:nvPr>
             <p:extLst>
               <p:ext uri="{D42A27DB-BD31-4B8C-83A1-F6EECF244321}">
-                <p14:modId xmlns:p14="http://schemas.microsoft.com/office/powerpoint/2010/main" val="3751589238"/>
+                <p14:modId xmlns:p14="http://schemas.microsoft.com/office/powerpoint/2010/main" val="720133659"/>
               </p:ext>
             </p:extLst>
           </p:nvPr>
         </p:nvGraphicFramePr>
         <p:xfrm>
           <a:off x="1981200" y="1819656"/>
-          <a:ext cx="8229600" cy="4572000"/>
+          <a:ext cx="8229600" cy="3657600"/>
         </p:xfrm>
         <a:graphic>
           <a:graphicData uri="http://schemas.openxmlformats.org/drawingml/2006/chart">
@@ -23530,6 +23862,154 @@
           </a:graphicData>
         </a:graphic>
       </p:graphicFrame>
+      <p:sp>
+        <p:nvSpPr>
+          <p:cNvPr id="7" name="Hộp Văn bản 6"/>
+          <p:cNvSpPr txBox="1"/>
+          <p:nvPr/>
+        </p:nvSpPr>
+        <p:spPr>
+          <a:xfrm>
+            <a:off x="3092335" y="5602778"/>
+            <a:ext cx="6007331" cy="477054"/>
+          </a:xfrm>
+          <a:prstGeom prst="rect">
+            <a:avLst/>
+          </a:prstGeom>
+          <a:noFill/>
+        </p:spPr>
+        <p:txBody>
+          <a:bodyPr wrap="square" rtlCol="0">
+            <a:spAutoFit/>
+          </a:bodyPr>
+          <a:lstStyle/>
+          <a:p>
+            <a:r>
+              <a:rPr lang="en-US" sz="2500" dirty="0" err="1" smtClean="0">
+                <a:latin typeface="Times New Roman" panose="02020603050405020304" pitchFamily="18" charset="0"/>
+                <a:cs typeface="Times New Roman" panose="02020603050405020304" pitchFamily="18" charset="0"/>
+              </a:rPr>
+              <a:t>Biểu</a:t>
+            </a:r>
+            <a:r>
+              <a:rPr lang="en-US" sz="2500" dirty="0" smtClean="0">
+                <a:latin typeface="Times New Roman" panose="02020603050405020304" pitchFamily="18" charset="0"/>
+                <a:cs typeface="Times New Roman" panose="02020603050405020304" pitchFamily="18" charset="0"/>
+              </a:rPr>
+              <a:t> </a:t>
+            </a:r>
+            <a:r>
+              <a:rPr lang="en-US" sz="2500" dirty="0" err="1" smtClean="0">
+                <a:latin typeface="Times New Roman" panose="02020603050405020304" pitchFamily="18" charset="0"/>
+                <a:cs typeface="Times New Roman" panose="02020603050405020304" pitchFamily="18" charset="0"/>
+              </a:rPr>
+              <a:t>đồ</a:t>
+            </a:r>
+            <a:r>
+              <a:rPr lang="en-US" sz="2500" dirty="0" smtClean="0">
+                <a:latin typeface="Times New Roman" panose="02020603050405020304" pitchFamily="18" charset="0"/>
+                <a:cs typeface="Times New Roman" panose="02020603050405020304" pitchFamily="18" charset="0"/>
+              </a:rPr>
+              <a:t> </a:t>
+            </a:r>
+            <a:r>
+              <a:rPr lang="en-US" sz="2500" dirty="0" err="1" smtClean="0">
+                <a:latin typeface="Times New Roman" panose="02020603050405020304" pitchFamily="18" charset="0"/>
+                <a:cs typeface="Times New Roman" panose="02020603050405020304" pitchFamily="18" charset="0"/>
+              </a:rPr>
+              <a:t>thực</a:t>
+            </a:r>
+            <a:r>
+              <a:rPr lang="en-US" sz="2500" dirty="0" smtClean="0">
+                <a:latin typeface="Times New Roman" panose="02020603050405020304" pitchFamily="18" charset="0"/>
+                <a:cs typeface="Times New Roman" panose="02020603050405020304" pitchFamily="18" charset="0"/>
+              </a:rPr>
+              <a:t> </a:t>
+            </a:r>
+            <a:r>
+              <a:rPr lang="en-US" sz="2500" dirty="0" err="1" smtClean="0">
+                <a:latin typeface="Times New Roman" panose="02020603050405020304" pitchFamily="18" charset="0"/>
+                <a:cs typeface="Times New Roman" panose="02020603050405020304" pitchFamily="18" charset="0"/>
+              </a:rPr>
+              <a:t>nghiệm</a:t>
+            </a:r>
+            <a:r>
+              <a:rPr lang="en-US" sz="2500" dirty="0" smtClean="0">
+                <a:latin typeface="Times New Roman" panose="02020603050405020304" pitchFamily="18" charset="0"/>
+                <a:cs typeface="Times New Roman" panose="02020603050405020304" pitchFamily="18" charset="0"/>
+              </a:rPr>
+              <a:t> </a:t>
+            </a:r>
+            <a:r>
+              <a:rPr lang="en-US" sz="2500" dirty="0" err="1" smtClean="0">
+                <a:latin typeface="Times New Roman" panose="02020603050405020304" pitchFamily="18" charset="0"/>
+                <a:cs typeface="Times New Roman" panose="02020603050405020304" pitchFamily="18" charset="0"/>
+              </a:rPr>
+              <a:t>chức</a:t>
+            </a:r>
+            <a:r>
+              <a:rPr lang="en-US" sz="2500" dirty="0" smtClean="0">
+                <a:latin typeface="Times New Roman" panose="02020603050405020304" pitchFamily="18" charset="0"/>
+                <a:cs typeface="Times New Roman" panose="02020603050405020304" pitchFamily="18" charset="0"/>
+              </a:rPr>
+              <a:t> </a:t>
+            </a:r>
+            <a:r>
+              <a:rPr lang="en-US" sz="2500" dirty="0" err="1" smtClean="0">
+                <a:latin typeface="Times New Roman" panose="02020603050405020304" pitchFamily="18" charset="0"/>
+                <a:cs typeface="Times New Roman" panose="02020603050405020304" pitchFamily="18" charset="0"/>
+              </a:rPr>
+              <a:t>năng</a:t>
+            </a:r>
+            <a:r>
+              <a:rPr lang="en-US" sz="2500" dirty="0" smtClean="0">
+                <a:latin typeface="Times New Roman" panose="02020603050405020304" pitchFamily="18" charset="0"/>
+                <a:cs typeface="Times New Roman" panose="02020603050405020304" pitchFamily="18" charset="0"/>
+              </a:rPr>
+              <a:t> </a:t>
+            </a:r>
+            <a:r>
+              <a:rPr lang="en-US" sz="2500" dirty="0" err="1" smtClean="0">
+                <a:latin typeface="Times New Roman" panose="02020603050405020304" pitchFamily="18" charset="0"/>
+                <a:cs typeface="Times New Roman" panose="02020603050405020304" pitchFamily="18" charset="0"/>
+              </a:rPr>
+              <a:t>tìm</a:t>
+            </a:r>
+            <a:r>
+              <a:rPr lang="en-US" sz="2500" dirty="0" smtClean="0">
+                <a:latin typeface="Times New Roman" panose="02020603050405020304" pitchFamily="18" charset="0"/>
+                <a:cs typeface="Times New Roman" panose="02020603050405020304" pitchFamily="18" charset="0"/>
+              </a:rPr>
+              <a:t> </a:t>
+            </a:r>
+            <a:r>
+              <a:rPr lang="en-US" sz="2500" dirty="0" err="1" smtClean="0">
+                <a:latin typeface="Times New Roman" panose="02020603050405020304" pitchFamily="18" charset="0"/>
+                <a:cs typeface="Times New Roman" panose="02020603050405020304" pitchFamily="18" charset="0"/>
+              </a:rPr>
+              <a:t>kiếm</a:t>
+            </a:r>
+            <a:r>
+              <a:rPr lang="en-US" sz="2500" dirty="0" smtClean="0">
+                <a:latin typeface="Times New Roman" panose="02020603050405020304" pitchFamily="18" charset="0"/>
+                <a:cs typeface="Times New Roman" panose="02020603050405020304" pitchFamily="18" charset="0"/>
+              </a:rPr>
+              <a:t> </a:t>
+            </a:r>
+            <a:r>
+              <a:rPr lang="en-US" sz="2500" dirty="0" err="1" smtClean="0">
+                <a:latin typeface="Times New Roman" panose="02020603050405020304" pitchFamily="18" charset="0"/>
+                <a:cs typeface="Times New Roman" panose="02020603050405020304" pitchFamily="18" charset="0"/>
+              </a:rPr>
+              <a:t>bạn</a:t>
+            </a:r>
+            <a:endParaRPr lang="en-US" sz="2500" dirty="0">
+              <a:latin typeface="Times New Roman" panose="02020603050405020304" pitchFamily="18" charset="0"/>
+              <a:cs typeface="Times New Roman" panose="02020603050405020304" pitchFamily="18" charset="0"/>
+            </a:endParaRPr>
+          </a:p>
+        </p:txBody>
+      </p:sp>
     </p:spTree>
     <p:extLst>
       <p:ext uri="{BB962C8B-B14F-4D97-AF65-F5344CB8AC3E}">
@@ -23650,14 +24130,14 @@
           <p:nvPr>
             <p:extLst>
               <p:ext uri="{D42A27DB-BD31-4B8C-83A1-F6EECF244321}">
-                <p14:modId xmlns:p14="http://schemas.microsoft.com/office/powerpoint/2010/main" val="1173523799"/>
+                <p14:modId xmlns:p14="http://schemas.microsoft.com/office/powerpoint/2010/main" val="2135105751"/>
               </p:ext>
             </p:extLst>
           </p:nvPr>
         </p:nvGraphicFramePr>
         <p:xfrm>
           <a:off x="1981200" y="1650332"/>
-          <a:ext cx="8229600" cy="4572000"/>
+          <a:ext cx="8229600" cy="3657600"/>
         </p:xfrm>
         <a:graphic>
           <a:graphicData uri="http://schemas.openxmlformats.org/drawingml/2006/chart">
@@ -23665,6 +24145,196 @@
           </a:graphicData>
         </a:graphic>
       </p:graphicFrame>
+      <p:sp>
+        <p:nvSpPr>
+          <p:cNvPr id="6" name="Hộp Văn bản 5"/>
+          <p:cNvSpPr txBox="1"/>
+          <p:nvPr/>
+        </p:nvSpPr>
+        <p:spPr>
+          <a:xfrm>
+            <a:off x="2244437" y="5602778"/>
+            <a:ext cx="7703127" cy="477054"/>
+          </a:xfrm>
+          <a:prstGeom prst="rect">
+            <a:avLst/>
+          </a:prstGeom>
+          <a:noFill/>
+        </p:spPr>
+        <p:txBody>
+          <a:bodyPr wrap="square" rtlCol="0">
+            <a:spAutoFit/>
+          </a:bodyPr>
+          <a:lstStyle/>
+          <a:p>
+            <a:r>
+              <a:rPr lang="en-US" sz="2500" dirty="0" err="1" smtClean="0">
+                <a:latin typeface="Times New Roman" panose="02020603050405020304" pitchFamily="18" charset="0"/>
+                <a:cs typeface="Times New Roman" panose="02020603050405020304" pitchFamily="18" charset="0"/>
+              </a:rPr>
+              <a:t>Biểu</a:t>
+            </a:r>
+            <a:r>
+              <a:rPr lang="en-US" sz="2500" dirty="0" smtClean="0">
+                <a:latin typeface="Times New Roman" panose="02020603050405020304" pitchFamily="18" charset="0"/>
+                <a:cs typeface="Times New Roman" panose="02020603050405020304" pitchFamily="18" charset="0"/>
+              </a:rPr>
+              <a:t> </a:t>
+            </a:r>
+            <a:r>
+              <a:rPr lang="en-US" sz="2500" dirty="0" err="1" smtClean="0">
+                <a:latin typeface="Times New Roman" panose="02020603050405020304" pitchFamily="18" charset="0"/>
+                <a:cs typeface="Times New Roman" panose="02020603050405020304" pitchFamily="18" charset="0"/>
+              </a:rPr>
+              <a:t>đồ</a:t>
+            </a:r>
+            <a:r>
+              <a:rPr lang="en-US" sz="2500" dirty="0" smtClean="0">
+                <a:latin typeface="Times New Roman" panose="02020603050405020304" pitchFamily="18" charset="0"/>
+                <a:cs typeface="Times New Roman" panose="02020603050405020304" pitchFamily="18" charset="0"/>
+              </a:rPr>
+              <a:t> </a:t>
+            </a:r>
+            <a:r>
+              <a:rPr lang="en-US" sz="2500" dirty="0" err="1" smtClean="0">
+                <a:latin typeface="Times New Roman" panose="02020603050405020304" pitchFamily="18" charset="0"/>
+                <a:cs typeface="Times New Roman" panose="02020603050405020304" pitchFamily="18" charset="0"/>
+              </a:rPr>
+              <a:t>thực</a:t>
+            </a:r>
+            <a:r>
+              <a:rPr lang="en-US" sz="2500" dirty="0" smtClean="0">
+                <a:latin typeface="Times New Roman" panose="02020603050405020304" pitchFamily="18" charset="0"/>
+                <a:cs typeface="Times New Roman" panose="02020603050405020304" pitchFamily="18" charset="0"/>
+              </a:rPr>
+              <a:t> </a:t>
+            </a:r>
+            <a:r>
+              <a:rPr lang="en-US" sz="2500" dirty="0" err="1" smtClean="0">
+                <a:latin typeface="Times New Roman" panose="02020603050405020304" pitchFamily="18" charset="0"/>
+                <a:cs typeface="Times New Roman" panose="02020603050405020304" pitchFamily="18" charset="0"/>
+              </a:rPr>
+              <a:t>nghiệm</a:t>
+            </a:r>
+            <a:r>
+              <a:rPr lang="en-US" sz="2500" dirty="0" smtClean="0">
+                <a:latin typeface="Times New Roman" panose="02020603050405020304" pitchFamily="18" charset="0"/>
+                <a:cs typeface="Times New Roman" panose="02020603050405020304" pitchFamily="18" charset="0"/>
+              </a:rPr>
+              <a:t> </a:t>
+            </a:r>
+            <a:r>
+              <a:rPr lang="en-US" sz="2500" dirty="0" err="1" smtClean="0">
+                <a:latin typeface="Times New Roman" panose="02020603050405020304" pitchFamily="18" charset="0"/>
+                <a:cs typeface="Times New Roman" panose="02020603050405020304" pitchFamily="18" charset="0"/>
+              </a:rPr>
+              <a:t>chức</a:t>
+            </a:r>
+            <a:r>
+              <a:rPr lang="en-US" sz="2500" dirty="0" smtClean="0">
+                <a:latin typeface="Times New Roman" panose="02020603050405020304" pitchFamily="18" charset="0"/>
+                <a:cs typeface="Times New Roman" panose="02020603050405020304" pitchFamily="18" charset="0"/>
+              </a:rPr>
+              <a:t> </a:t>
+            </a:r>
+            <a:r>
+              <a:rPr lang="en-US" sz="2500" dirty="0" err="1" smtClean="0">
+                <a:latin typeface="Times New Roman" panose="02020603050405020304" pitchFamily="18" charset="0"/>
+                <a:cs typeface="Times New Roman" panose="02020603050405020304" pitchFamily="18" charset="0"/>
+              </a:rPr>
+              <a:t>năng</a:t>
+            </a:r>
+            <a:r>
+              <a:rPr lang="en-US" sz="2500" dirty="0" smtClean="0">
+                <a:latin typeface="Times New Roman" panose="02020603050405020304" pitchFamily="18" charset="0"/>
+                <a:cs typeface="Times New Roman" panose="02020603050405020304" pitchFamily="18" charset="0"/>
+              </a:rPr>
+              <a:t> </a:t>
+            </a:r>
+            <a:r>
+              <a:rPr lang="en-US" sz="2500" dirty="0" err="1" smtClean="0">
+                <a:latin typeface="Times New Roman" panose="02020603050405020304" pitchFamily="18" charset="0"/>
+                <a:cs typeface="Times New Roman" panose="02020603050405020304" pitchFamily="18" charset="0"/>
+              </a:rPr>
+              <a:t>lấy</a:t>
+            </a:r>
+            <a:r>
+              <a:rPr lang="en-US" sz="2500" dirty="0" smtClean="0">
+                <a:latin typeface="Times New Roman" panose="02020603050405020304" pitchFamily="18" charset="0"/>
+                <a:cs typeface="Times New Roman" panose="02020603050405020304" pitchFamily="18" charset="0"/>
+              </a:rPr>
+              <a:t> </a:t>
+            </a:r>
+            <a:r>
+              <a:rPr lang="en-US" sz="2500" dirty="0" err="1" smtClean="0">
+                <a:latin typeface="Times New Roman" panose="02020603050405020304" pitchFamily="18" charset="0"/>
+                <a:cs typeface="Times New Roman" panose="02020603050405020304" pitchFamily="18" charset="0"/>
+              </a:rPr>
+              <a:t>danh</a:t>
+            </a:r>
+            <a:r>
+              <a:rPr lang="en-US" sz="2500" dirty="0" smtClean="0">
+                <a:latin typeface="Times New Roman" panose="02020603050405020304" pitchFamily="18" charset="0"/>
+                <a:cs typeface="Times New Roman" panose="02020603050405020304" pitchFamily="18" charset="0"/>
+              </a:rPr>
+              <a:t> </a:t>
+            </a:r>
+            <a:r>
+              <a:rPr lang="en-US" sz="2500" dirty="0" err="1" smtClean="0">
+                <a:latin typeface="Times New Roman" panose="02020603050405020304" pitchFamily="18" charset="0"/>
+                <a:cs typeface="Times New Roman" panose="02020603050405020304" pitchFamily="18" charset="0"/>
+              </a:rPr>
+              <a:t>sách</a:t>
+            </a:r>
+            <a:r>
+              <a:rPr lang="en-US" sz="2500" dirty="0" smtClean="0">
+                <a:latin typeface="Times New Roman" panose="02020603050405020304" pitchFamily="18" charset="0"/>
+                <a:cs typeface="Times New Roman" panose="02020603050405020304" pitchFamily="18" charset="0"/>
+              </a:rPr>
+              <a:t> </a:t>
+            </a:r>
+            <a:r>
+              <a:rPr lang="en-US" sz="2500" dirty="0" err="1" smtClean="0">
+                <a:latin typeface="Times New Roman" panose="02020603050405020304" pitchFamily="18" charset="0"/>
+                <a:cs typeface="Times New Roman" panose="02020603050405020304" pitchFamily="18" charset="0"/>
+              </a:rPr>
+              <a:t>bài</a:t>
+            </a:r>
+            <a:r>
+              <a:rPr lang="en-US" sz="2500" dirty="0" smtClean="0">
+                <a:latin typeface="Times New Roman" panose="02020603050405020304" pitchFamily="18" charset="0"/>
+                <a:cs typeface="Times New Roman" panose="02020603050405020304" pitchFamily="18" charset="0"/>
+              </a:rPr>
+              <a:t> </a:t>
+            </a:r>
+            <a:r>
+              <a:rPr lang="en-US" sz="2500" dirty="0" err="1" smtClean="0">
+                <a:latin typeface="Times New Roman" panose="02020603050405020304" pitchFamily="18" charset="0"/>
+                <a:cs typeface="Times New Roman" panose="02020603050405020304" pitchFamily="18" charset="0"/>
+              </a:rPr>
+              <a:t>viết</a:t>
+            </a:r>
+            <a:r>
+              <a:rPr lang="en-US" sz="2500" dirty="0" smtClean="0">
+                <a:latin typeface="Times New Roman" panose="02020603050405020304" pitchFamily="18" charset="0"/>
+                <a:cs typeface="Times New Roman" panose="02020603050405020304" pitchFamily="18" charset="0"/>
+              </a:rPr>
+              <a:t> </a:t>
+            </a:r>
+            <a:r>
+              <a:rPr lang="en-US" sz="2500" dirty="0" err="1" smtClean="0">
+                <a:latin typeface="Times New Roman" panose="02020603050405020304" pitchFamily="18" charset="0"/>
+                <a:cs typeface="Times New Roman" panose="02020603050405020304" pitchFamily="18" charset="0"/>
+              </a:rPr>
+              <a:t>mới</a:t>
+            </a:r>
+            <a:endParaRPr lang="en-US" sz="2500" dirty="0">
+              <a:latin typeface="Times New Roman" panose="02020603050405020304" pitchFamily="18" charset="0"/>
+              <a:cs typeface="Times New Roman" panose="02020603050405020304" pitchFamily="18" charset="0"/>
+            </a:endParaRPr>
+          </a:p>
+        </p:txBody>
+      </p:sp>
     </p:spTree>
     <p:extLst>
       <p:ext uri="{BB962C8B-B14F-4D97-AF65-F5344CB8AC3E}">
@@ -23785,14 +24455,14 @@
           <p:nvPr>
             <p:extLst>
               <p:ext uri="{D42A27DB-BD31-4B8C-83A1-F6EECF244321}">
-                <p14:modId xmlns:p14="http://schemas.microsoft.com/office/powerpoint/2010/main" val="4253283964"/>
+                <p14:modId xmlns:p14="http://schemas.microsoft.com/office/powerpoint/2010/main" val="4200518021"/>
               </p:ext>
             </p:extLst>
           </p:nvPr>
         </p:nvGraphicFramePr>
         <p:xfrm>
           <a:off x="1981200" y="1819656"/>
-          <a:ext cx="8229600" cy="4572000"/>
+          <a:ext cx="8229600" cy="3657600"/>
         </p:xfrm>
         <a:graphic>
           <a:graphicData uri="http://schemas.openxmlformats.org/drawingml/2006/chart">
@@ -23800,6 +24470,203 @@
           </a:graphicData>
         </a:graphic>
       </p:graphicFrame>
+      <p:sp>
+        <p:nvSpPr>
+          <p:cNvPr id="7" name="Hộp Văn bản 6"/>
+          <p:cNvSpPr txBox="1"/>
+          <p:nvPr/>
+        </p:nvSpPr>
+        <p:spPr>
+          <a:xfrm>
+            <a:off x="1878677" y="5602778"/>
+            <a:ext cx="8434647" cy="477054"/>
+          </a:xfrm>
+          <a:prstGeom prst="rect">
+            <a:avLst/>
+          </a:prstGeom>
+          <a:noFill/>
+        </p:spPr>
+        <p:txBody>
+          <a:bodyPr wrap="square" rtlCol="0">
+            <a:spAutoFit/>
+          </a:bodyPr>
+          <a:lstStyle/>
+          <a:p>
+            <a:r>
+              <a:rPr lang="en-US" sz="2500" dirty="0" err="1" smtClean="0">
+                <a:latin typeface="Times New Roman" panose="02020603050405020304" pitchFamily="18" charset="0"/>
+                <a:cs typeface="Times New Roman" panose="02020603050405020304" pitchFamily="18" charset="0"/>
+              </a:rPr>
+              <a:t>Biểu</a:t>
+            </a:r>
+            <a:r>
+              <a:rPr lang="en-US" sz="2500" dirty="0" smtClean="0">
+                <a:latin typeface="Times New Roman" panose="02020603050405020304" pitchFamily="18" charset="0"/>
+                <a:cs typeface="Times New Roman" panose="02020603050405020304" pitchFamily="18" charset="0"/>
+              </a:rPr>
+              <a:t> </a:t>
+            </a:r>
+            <a:r>
+              <a:rPr lang="en-US" sz="2500" dirty="0" err="1" smtClean="0">
+                <a:latin typeface="Times New Roman" panose="02020603050405020304" pitchFamily="18" charset="0"/>
+                <a:cs typeface="Times New Roman" panose="02020603050405020304" pitchFamily="18" charset="0"/>
+              </a:rPr>
+              <a:t>đồ</a:t>
+            </a:r>
+            <a:r>
+              <a:rPr lang="en-US" sz="2500" dirty="0" smtClean="0">
+                <a:latin typeface="Times New Roman" panose="02020603050405020304" pitchFamily="18" charset="0"/>
+                <a:cs typeface="Times New Roman" panose="02020603050405020304" pitchFamily="18" charset="0"/>
+              </a:rPr>
+              <a:t> </a:t>
+            </a:r>
+            <a:r>
+              <a:rPr lang="en-US" sz="2500" dirty="0" err="1" smtClean="0">
+                <a:latin typeface="Times New Roman" panose="02020603050405020304" pitchFamily="18" charset="0"/>
+                <a:cs typeface="Times New Roman" panose="02020603050405020304" pitchFamily="18" charset="0"/>
+              </a:rPr>
+              <a:t>thực</a:t>
+            </a:r>
+            <a:r>
+              <a:rPr lang="en-US" sz="2500" dirty="0" smtClean="0">
+                <a:latin typeface="Times New Roman" panose="02020603050405020304" pitchFamily="18" charset="0"/>
+                <a:cs typeface="Times New Roman" panose="02020603050405020304" pitchFamily="18" charset="0"/>
+              </a:rPr>
+              <a:t> </a:t>
+            </a:r>
+            <a:r>
+              <a:rPr lang="en-US" sz="2500" dirty="0" err="1" smtClean="0">
+                <a:latin typeface="Times New Roman" panose="02020603050405020304" pitchFamily="18" charset="0"/>
+                <a:cs typeface="Times New Roman" panose="02020603050405020304" pitchFamily="18" charset="0"/>
+              </a:rPr>
+              <a:t>nghiệm</a:t>
+            </a:r>
+            <a:r>
+              <a:rPr lang="en-US" sz="2500" dirty="0" smtClean="0">
+                <a:latin typeface="Times New Roman" panose="02020603050405020304" pitchFamily="18" charset="0"/>
+                <a:cs typeface="Times New Roman" panose="02020603050405020304" pitchFamily="18" charset="0"/>
+              </a:rPr>
+              <a:t> </a:t>
+            </a:r>
+            <a:r>
+              <a:rPr lang="en-US" sz="2500" dirty="0" err="1" smtClean="0">
+                <a:latin typeface="Times New Roman" panose="02020603050405020304" pitchFamily="18" charset="0"/>
+                <a:cs typeface="Times New Roman" panose="02020603050405020304" pitchFamily="18" charset="0"/>
+              </a:rPr>
+              <a:t>chức</a:t>
+            </a:r>
+            <a:r>
+              <a:rPr lang="en-US" sz="2500" dirty="0" smtClean="0">
+                <a:latin typeface="Times New Roman" panose="02020603050405020304" pitchFamily="18" charset="0"/>
+                <a:cs typeface="Times New Roman" panose="02020603050405020304" pitchFamily="18" charset="0"/>
+              </a:rPr>
+              <a:t> </a:t>
+            </a:r>
+            <a:r>
+              <a:rPr lang="en-US" sz="2500" dirty="0" err="1" smtClean="0">
+                <a:latin typeface="Times New Roman" panose="02020603050405020304" pitchFamily="18" charset="0"/>
+                <a:cs typeface="Times New Roman" panose="02020603050405020304" pitchFamily="18" charset="0"/>
+              </a:rPr>
+              <a:t>năng</a:t>
+            </a:r>
+            <a:r>
+              <a:rPr lang="en-US" sz="2500" dirty="0" smtClean="0">
+                <a:latin typeface="Times New Roman" panose="02020603050405020304" pitchFamily="18" charset="0"/>
+                <a:cs typeface="Times New Roman" panose="02020603050405020304" pitchFamily="18" charset="0"/>
+              </a:rPr>
+              <a:t> </a:t>
+            </a:r>
+            <a:r>
+              <a:rPr lang="en-US" sz="2500" dirty="0" err="1" smtClean="0">
+                <a:latin typeface="Times New Roman" panose="02020603050405020304" pitchFamily="18" charset="0"/>
+                <a:cs typeface="Times New Roman" panose="02020603050405020304" pitchFamily="18" charset="0"/>
+              </a:rPr>
+              <a:t>tìm</a:t>
+            </a:r>
+            <a:r>
+              <a:rPr lang="en-US" sz="2500" dirty="0" smtClean="0">
+                <a:latin typeface="Times New Roman" panose="02020603050405020304" pitchFamily="18" charset="0"/>
+                <a:cs typeface="Times New Roman" panose="02020603050405020304" pitchFamily="18" charset="0"/>
+              </a:rPr>
+              <a:t> </a:t>
+            </a:r>
+            <a:r>
+              <a:rPr lang="en-US" sz="2500" dirty="0" err="1" smtClean="0">
+                <a:latin typeface="Times New Roman" panose="02020603050405020304" pitchFamily="18" charset="0"/>
+                <a:cs typeface="Times New Roman" panose="02020603050405020304" pitchFamily="18" charset="0"/>
+              </a:rPr>
+              <a:t>kiếm</a:t>
+            </a:r>
+            <a:r>
+              <a:rPr lang="en-US" sz="2500" dirty="0" smtClean="0">
+                <a:latin typeface="Times New Roman" panose="02020603050405020304" pitchFamily="18" charset="0"/>
+                <a:cs typeface="Times New Roman" panose="02020603050405020304" pitchFamily="18" charset="0"/>
+              </a:rPr>
+              <a:t> </a:t>
+            </a:r>
+            <a:r>
+              <a:rPr lang="en-US" sz="2500" dirty="0" err="1" smtClean="0">
+                <a:latin typeface="Times New Roman" panose="02020603050405020304" pitchFamily="18" charset="0"/>
+                <a:cs typeface="Times New Roman" panose="02020603050405020304" pitchFamily="18" charset="0"/>
+              </a:rPr>
+              <a:t>bài</a:t>
+            </a:r>
+            <a:r>
+              <a:rPr lang="en-US" sz="2500" dirty="0" smtClean="0">
+                <a:latin typeface="Times New Roman" panose="02020603050405020304" pitchFamily="18" charset="0"/>
+                <a:cs typeface="Times New Roman" panose="02020603050405020304" pitchFamily="18" charset="0"/>
+              </a:rPr>
+              <a:t> </a:t>
+            </a:r>
+            <a:r>
+              <a:rPr lang="en-US" sz="2500" dirty="0" err="1" smtClean="0">
+                <a:latin typeface="Times New Roman" panose="02020603050405020304" pitchFamily="18" charset="0"/>
+                <a:cs typeface="Times New Roman" panose="02020603050405020304" pitchFamily="18" charset="0"/>
+              </a:rPr>
+              <a:t>viết</a:t>
+            </a:r>
+            <a:r>
+              <a:rPr lang="en-US" sz="2500" dirty="0" smtClean="0">
+                <a:latin typeface="Times New Roman" panose="02020603050405020304" pitchFamily="18" charset="0"/>
+                <a:cs typeface="Times New Roman" panose="02020603050405020304" pitchFamily="18" charset="0"/>
+              </a:rPr>
+              <a:t> </a:t>
+            </a:r>
+            <a:r>
+              <a:rPr lang="en-US" sz="2500" dirty="0" err="1" smtClean="0">
+                <a:latin typeface="Times New Roman" panose="02020603050405020304" pitchFamily="18" charset="0"/>
+                <a:cs typeface="Times New Roman" panose="02020603050405020304" pitchFamily="18" charset="0"/>
+              </a:rPr>
+              <a:t>theo</a:t>
+            </a:r>
+            <a:r>
+              <a:rPr lang="en-US" sz="2500" dirty="0" smtClean="0">
+                <a:latin typeface="Times New Roman" panose="02020603050405020304" pitchFamily="18" charset="0"/>
+                <a:cs typeface="Times New Roman" panose="02020603050405020304" pitchFamily="18" charset="0"/>
+              </a:rPr>
+              <a:t> </a:t>
+            </a:r>
+            <a:r>
+              <a:rPr lang="en-US" sz="2500" dirty="0" err="1" smtClean="0">
+                <a:latin typeface="Times New Roman" panose="02020603050405020304" pitchFamily="18" charset="0"/>
+                <a:cs typeface="Times New Roman" panose="02020603050405020304" pitchFamily="18" charset="0"/>
+              </a:rPr>
+              <a:t>nội</a:t>
+            </a:r>
+            <a:r>
+              <a:rPr lang="en-US" sz="2500" dirty="0" smtClean="0">
+                <a:latin typeface="Times New Roman" panose="02020603050405020304" pitchFamily="18" charset="0"/>
+                <a:cs typeface="Times New Roman" panose="02020603050405020304" pitchFamily="18" charset="0"/>
+              </a:rPr>
+              <a:t> dung</a:t>
+            </a:r>
+            <a:endParaRPr lang="en-US" sz="2500" dirty="0">
+              <a:latin typeface="Times New Roman" panose="02020603050405020304" pitchFamily="18" charset="0"/>
+              <a:cs typeface="Times New Roman" panose="02020603050405020304" pitchFamily="18" charset="0"/>
+            </a:endParaRPr>
+          </a:p>
+        </p:txBody>
+      </p:sp>
     </p:spTree>
     <p:extLst>
       <p:ext uri="{BB962C8B-B14F-4D97-AF65-F5344CB8AC3E}">
@@ -24154,14 +25021,14 @@
           <p:nvPr>
             <p:extLst>
               <p:ext uri="{D42A27DB-BD31-4B8C-83A1-F6EECF244321}">
-                <p14:modId xmlns:p14="http://schemas.microsoft.com/office/powerpoint/2010/main" val="1214752097"/>
+                <p14:modId xmlns:p14="http://schemas.microsoft.com/office/powerpoint/2010/main" val="873196841"/>
               </p:ext>
             </p:extLst>
           </p:nvPr>
         </p:nvGraphicFramePr>
         <p:xfrm>
           <a:off x="1981200" y="1650332"/>
-          <a:ext cx="8229600" cy="4572000"/>
+          <a:ext cx="8229600" cy="3657600"/>
         </p:xfrm>
         <a:graphic>
           <a:graphicData uri="http://schemas.openxmlformats.org/drawingml/2006/chart">
@@ -24169,6 +25036,210 @@
           </a:graphicData>
         </a:graphic>
       </p:graphicFrame>
+      <p:sp>
+        <p:nvSpPr>
+          <p:cNvPr id="6" name="Hộp Văn bản 5"/>
+          <p:cNvSpPr txBox="1"/>
+          <p:nvPr/>
+        </p:nvSpPr>
+        <p:spPr>
+          <a:xfrm>
+            <a:off x="2119746" y="5602778"/>
+            <a:ext cx="7952509" cy="477054"/>
+          </a:xfrm>
+          <a:prstGeom prst="rect">
+            <a:avLst/>
+          </a:prstGeom>
+          <a:noFill/>
+        </p:spPr>
+        <p:txBody>
+          <a:bodyPr wrap="square" rtlCol="0">
+            <a:spAutoFit/>
+          </a:bodyPr>
+          <a:lstStyle/>
+          <a:p>
+            <a:r>
+              <a:rPr lang="en-US" sz="2500" dirty="0" err="1" smtClean="0">
+                <a:latin typeface="Times New Roman" panose="02020603050405020304" pitchFamily="18" charset="0"/>
+                <a:cs typeface="Times New Roman" panose="02020603050405020304" pitchFamily="18" charset="0"/>
+              </a:rPr>
+              <a:t>Biểu</a:t>
+            </a:r>
+            <a:r>
+              <a:rPr lang="en-US" sz="2500" dirty="0" smtClean="0">
+                <a:latin typeface="Times New Roman" panose="02020603050405020304" pitchFamily="18" charset="0"/>
+                <a:cs typeface="Times New Roman" panose="02020603050405020304" pitchFamily="18" charset="0"/>
+              </a:rPr>
+              <a:t> </a:t>
+            </a:r>
+            <a:r>
+              <a:rPr lang="en-US" sz="2500" dirty="0" err="1" smtClean="0">
+                <a:latin typeface="Times New Roman" panose="02020603050405020304" pitchFamily="18" charset="0"/>
+                <a:cs typeface="Times New Roman" panose="02020603050405020304" pitchFamily="18" charset="0"/>
+              </a:rPr>
+              <a:t>đồ</a:t>
+            </a:r>
+            <a:r>
+              <a:rPr lang="en-US" sz="2500" dirty="0" smtClean="0">
+                <a:latin typeface="Times New Roman" panose="02020603050405020304" pitchFamily="18" charset="0"/>
+                <a:cs typeface="Times New Roman" panose="02020603050405020304" pitchFamily="18" charset="0"/>
+              </a:rPr>
+              <a:t> </a:t>
+            </a:r>
+            <a:r>
+              <a:rPr lang="en-US" sz="2500" dirty="0" err="1" smtClean="0">
+                <a:latin typeface="Times New Roman" panose="02020603050405020304" pitchFamily="18" charset="0"/>
+                <a:cs typeface="Times New Roman" panose="02020603050405020304" pitchFamily="18" charset="0"/>
+              </a:rPr>
+              <a:t>thực</a:t>
+            </a:r>
+            <a:r>
+              <a:rPr lang="en-US" sz="2500" dirty="0" smtClean="0">
+                <a:latin typeface="Times New Roman" panose="02020603050405020304" pitchFamily="18" charset="0"/>
+                <a:cs typeface="Times New Roman" panose="02020603050405020304" pitchFamily="18" charset="0"/>
+              </a:rPr>
+              <a:t> </a:t>
+            </a:r>
+            <a:r>
+              <a:rPr lang="en-US" sz="2500" dirty="0" err="1" smtClean="0">
+                <a:latin typeface="Times New Roman" panose="02020603050405020304" pitchFamily="18" charset="0"/>
+                <a:cs typeface="Times New Roman" panose="02020603050405020304" pitchFamily="18" charset="0"/>
+              </a:rPr>
+              <a:t>nghiệm</a:t>
+            </a:r>
+            <a:r>
+              <a:rPr lang="en-US" sz="2500" dirty="0" smtClean="0">
+                <a:latin typeface="Times New Roman" panose="02020603050405020304" pitchFamily="18" charset="0"/>
+                <a:cs typeface="Times New Roman" panose="02020603050405020304" pitchFamily="18" charset="0"/>
+              </a:rPr>
+              <a:t> </a:t>
+            </a:r>
+            <a:r>
+              <a:rPr lang="en-US" sz="2500" dirty="0" err="1" smtClean="0">
+                <a:latin typeface="Times New Roman" panose="02020603050405020304" pitchFamily="18" charset="0"/>
+                <a:cs typeface="Times New Roman" panose="02020603050405020304" pitchFamily="18" charset="0"/>
+              </a:rPr>
+              <a:t>chức</a:t>
+            </a:r>
+            <a:r>
+              <a:rPr lang="en-US" sz="2500" dirty="0" smtClean="0">
+                <a:latin typeface="Times New Roman" panose="02020603050405020304" pitchFamily="18" charset="0"/>
+                <a:cs typeface="Times New Roman" panose="02020603050405020304" pitchFamily="18" charset="0"/>
+              </a:rPr>
+              <a:t> </a:t>
+            </a:r>
+            <a:r>
+              <a:rPr lang="en-US" sz="2500" dirty="0" err="1" smtClean="0">
+                <a:latin typeface="Times New Roman" panose="02020603050405020304" pitchFamily="18" charset="0"/>
+                <a:cs typeface="Times New Roman" panose="02020603050405020304" pitchFamily="18" charset="0"/>
+              </a:rPr>
+              <a:t>năng</a:t>
+            </a:r>
+            <a:r>
+              <a:rPr lang="en-US" sz="2500" dirty="0" smtClean="0">
+                <a:latin typeface="Times New Roman" panose="02020603050405020304" pitchFamily="18" charset="0"/>
+                <a:cs typeface="Times New Roman" panose="02020603050405020304" pitchFamily="18" charset="0"/>
+              </a:rPr>
+              <a:t> </a:t>
+            </a:r>
+            <a:r>
+              <a:rPr lang="en-US" sz="2500" dirty="0" err="1" smtClean="0">
+                <a:latin typeface="Times New Roman" panose="02020603050405020304" pitchFamily="18" charset="0"/>
+                <a:cs typeface="Times New Roman" panose="02020603050405020304" pitchFamily="18" charset="0"/>
+              </a:rPr>
+              <a:t>tìm</a:t>
+            </a:r>
+            <a:r>
+              <a:rPr lang="en-US" sz="2500" dirty="0" smtClean="0">
+                <a:latin typeface="Times New Roman" panose="02020603050405020304" pitchFamily="18" charset="0"/>
+                <a:cs typeface="Times New Roman" panose="02020603050405020304" pitchFamily="18" charset="0"/>
+              </a:rPr>
+              <a:t> </a:t>
+            </a:r>
+            <a:r>
+              <a:rPr lang="en-US" sz="2500" dirty="0" err="1" smtClean="0">
+                <a:latin typeface="Times New Roman" panose="02020603050405020304" pitchFamily="18" charset="0"/>
+                <a:cs typeface="Times New Roman" panose="02020603050405020304" pitchFamily="18" charset="0"/>
+              </a:rPr>
+              <a:t>kiếm</a:t>
+            </a:r>
+            <a:r>
+              <a:rPr lang="en-US" sz="2500" dirty="0" smtClean="0">
+                <a:latin typeface="Times New Roman" panose="02020603050405020304" pitchFamily="18" charset="0"/>
+                <a:cs typeface="Times New Roman" panose="02020603050405020304" pitchFamily="18" charset="0"/>
+              </a:rPr>
+              <a:t> </a:t>
+            </a:r>
+            <a:r>
+              <a:rPr lang="en-US" sz="2500" dirty="0" err="1" smtClean="0">
+                <a:latin typeface="Times New Roman" panose="02020603050405020304" pitchFamily="18" charset="0"/>
+                <a:cs typeface="Times New Roman" panose="02020603050405020304" pitchFamily="18" charset="0"/>
+              </a:rPr>
+              <a:t>bài</a:t>
+            </a:r>
+            <a:r>
+              <a:rPr lang="en-US" sz="2500" dirty="0" smtClean="0">
+                <a:latin typeface="Times New Roman" panose="02020603050405020304" pitchFamily="18" charset="0"/>
+                <a:cs typeface="Times New Roman" panose="02020603050405020304" pitchFamily="18" charset="0"/>
+              </a:rPr>
+              <a:t> </a:t>
+            </a:r>
+            <a:r>
+              <a:rPr lang="en-US" sz="2500" dirty="0" err="1" smtClean="0">
+                <a:latin typeface="Times New Roman" panose="02020603050405020304" pitchFamily="18" charset="0"/>
+                <a:cs typeface="Times New Roman" panose="02020603050405020304" pitchFamily="18" charset="0"/>
+              </a:rPr>
+              <a:t>viết</a:t>
+            </a:r>
+            <a:r>
+              <a:rPr lang="en-US" sz="2500" dirty="0" smtClean="0">
+                <a:latin typeface="Times New Roman" panose="02020603050405020304" pitchFamily="18" charset="0"/>
+                <a:cs typeface="Times New Roman" panose="02020603050405020304" pitchFamily="18" charset="0"/>
+              </a:rPr>
+              <a:t> </a:t>
+            </a:r>
+            <a:r>
+              <a:rPr lang="en-US" sz="2500" dirty="0" err="1" smtClean="0">
+                <a:latin typeface="Times New Roman" panose="02020603050405020304" pitchFamily="18" charset="0"/>
+                <a:cs typeface="Times New Roman" panose="02020603050405020304" pitchFamily="18" charset="0"/>
+              </a:rPr>
+              <a:t>theo</a:t>
+            </a:r>
+            <a:r>
+              <a:rPr lang="en-US" sz="2500" dirty="0" smtClean="0">
+                <a:latin typeface="Times New Roman" panose="02020603050405020304" pitchFamily="18" charset="0"/>
+                <a:cs typeface="Times New Roman" panose="02020603050405020304" pitchFamily="18" charset="0"/>
+              </a:rPr>
+              <a:t> </a:t>
+            </a:r>
+            <a:r>
+              <a:rPr lang="en-US" sz="2500" dirty="0" err="1" smtClean="0">
+                <a:latin typeface="Times New Roman" panose="02020603050405020304" pitchFamily="18" charset="0"/>
+                <a:cs typeface="Times New Roman" panose="02020603050405020304" pitchFamily="18" charset="0"/>
+              </a:rPr>
+              <a:t>vị</a:t>
+            </a:r>
+            <a:r>
+              <a:rPr lang="en-US" sz="2500" dirty="0" smtClean="0">
+                <a:latin typeface="Times New Roman" panose="02020603050405020304" pitchFamily="18" charset="0"/>
+                <a:cs typeface="Times New Roman" panose="02020603050405020304" pitchFamily="18" charset="0"/>
+              </a:rPr>
+              <a:t> </a:t>
+            </a:r>
+            <a:r>
+              <a:rPr lang="en-US" sz="2500" dirty="0" err="1" smtClean="0">
+                <a:latin typeface="Times New Roman" panose="02020603050405020304" pitchFamily="18" charset="0"/>
+                <a:cs typeface="Times New Roman" panose="02020603050405020304" pitchFamily="18" charset="0"/>
+              </a:rPr>
+              <a:t>trí</a:t>
+            </a:r>
+            <a:endParaRPr lang="en-US" sz="2500" dirty="0">
+              <a:latin typeface="Times New Roman" panose="02020603050405020304" pitchFamily="18" charset="0"/>
+              <a:cs typeface="Times New Roman" panose="02020603050405020304" pitchFamily="18" charset="0"/>
+            </a:endParaRPr>
+          </a:p>
+        </p:txBody>
+      </p:sp>
     </p:spTree>
     <p:extLst>
       <p:ext uri="{BB962C8B-B14F-4D97-AF65-F5344CB8AC3E}">
@@ -24289,13 +25360,13 @@
           <p:nvPr>
             <p:extLst>
               <p:ext uri="{D42A27DB-BD31-4B8C-83A1-F6EECF244321}">
-                <p14:modId xmlns:p14="http://schemas.microsoft.com/office/powerpoint/2010/main" val="2363767035"/>
+                <p14:modId xmlns:p14="http://schemas.microsoft.com/office/powerpoint/2010/main" val="1192745789"/>
               </p:ext>
             </p:extLst>
           </p:nvPr>
         </p:nvGraphicFramePr>
         <p:xfrm>
-          <a:off x="1163782" y="2439786"/>
+          <a:off x="1163782" y="2024631"/>
           <a:ext cx="4572000" cy="2743200"/>
         </p:xfrm>
         <a:graphic>
@@ -24311,13 +25382,13 @@
           <p:nvPr>
             <p:extLst>
               <p:ext uri="{D42A27DB-BD31-4B8C-83A1-F6EECF244321}">
-                <p14:modId xmlns:p14="http://schemas.microsoft.com/office/powerpoint/2010/main" val="3436718725"/>
+                <p14:modId xmlns:p14="http://schemas.microsoft.com/office/powerpoint/2010/main" val="4225825374"/>
               </p:ext>
             </p:extLst>
           </p:nvPr>
         </p:nvGraphicFramePr>
         <p:xfrm>
-          <a:off x="6519950" y="2439786"/>
+          <a:off x="6470074" y="2024631"/>
           <a:ext cx="4572000" cy="2743200"/>
         </p:xfrm>
         <a:graphic>
@@ -24326,6 +25397,268 @@
           </a:graphicData>
         </a:graphic>
       </p:graphicFrame>
+      <p:sp>
+        <p:nvSpPr>
+          <p:cNvPr id="3" name="Hộp Văn bản 2"/>
+          <p:cNvSpPr txBox="1"/>
+          <p:nvPr/>
+        </p:nvSpPr>
+        <p:spPr>
+          <a:xfrm>
+            <a:off x="3229552" y="4866484"/>
+            <a:ext cx="1197032" cy="400110"/>
+          </a:xfrm>
+          <a:prstGeom prst="rect">
+            <a:avLst/>
+          </a:prstGeom>
+          <a:noFill/>
+        </p:spPr>
+        <p:txBody>
+          <a:bodyPr wrap="square" rtlCol="0">
+            <a:spAutoFit/>
+          </a:bodyPr>
+          <a:lstStyle/>
+          <a:p>
+            <a:r>
+              <a:rPr lang="en-US" sz="2000" dirty="0" err="1" smtClean="0">
+                <a:latin typeface="Times New Roman" panose="02020603050405020304" pitchFamily="18" charset="0"/>
+                <a:cs typeface="Times New Roman" panose="02020603050405020304" pitchFamily="18" charset="0"/>
+              </a:rPr>
+              <a:t>Nhóm</a:t>
+            </a:r>
+            <a:r>
+              <a:rPr lang="en-US" sz="2000" dirty="0" smtClean="0">
+                <a:latin typeface="Times New Roman" panose="02020603050405020304" pitchFamily="18" charset="0"/>
+                <a:cs typeface="Times New Roman" panose="02020603050405020304" pitchFamily="18" charset="0"/>
+              </a:rPr>
+              <a:t> 1</a:t>
+            </a:r>
+            <a:endParaRPr lang="en-US" sz="2000" dirty="0">
+              <a:latin typeface="Times New Roman" panose="02020603050405020304" pitchFamily="18" charset="0"/>
+              <a:cs typeface="Times New Roman" panose="02020603050405020304" pitchFamily="18" charset="0"/>
+            </a:endParaRPr>
+          </a:p>
+        </p:txBody>
+      </p:sp>
+      <p:sp>
+        <p:nvSpPr>
+          <p:cNvPr id="7" name="Hộp Văn bản 6"/>
+          <p:cNvSpPr txBox="1"/>
+          <p:nvPr/>
+        </p:nvSpPr>
+        <p:spPr>
+          <a:xfrm>
+            <a:off x="8440190" y="4866484"/>
+            <a:ext cx="1197032" cy="400110"/>
+          </a:xfrm>
+          <a:prstGeom prst="rect">
+            <a:avLst/>
+          </a:prstGeom>
+          <a:noFill/>
+        </p:spPr>
+        <p:txBody>
+          <a:bodyPr wrap="square" rtlCol="0">
+            <a:spAutoFit/>
+          </a:bodyPr>
+          <a:lstStyle/>
+          <a:p>
+            <a:r>
+              <a:rPr lang="en-US" sz="2000" dirty="0" err="1" smtClean="0">
+                <a:latin typeface="Times New Roman" panose="02020603050405020304" pitchFamily="18" charset="0"/>
+                <a:cs typeface="Times New Roman" panose="02020603050405020304" pitchFamily="18" charset="0"/>
+              </a:rPr>
+              <a:t>Nhóm</a:t>
+            </a:r>
+            <a:r>
+              <a:rPr lang="en-US" sz="2000" dirty="0" smtClean="0">
+                <a:latin typeface="Times New Roman" panose="02020603050405020304" pitchFamily="18" charset="0"/>
+                <a:cs typeface="Times New Roman" panose="02020603050405020304" pitchFamily="18" charset="0"/>
+              </a:rPr>
+              <a:t> 2</a:t>
+            </a:r>
+            <a:endParaRPr lang="en-US" sz="2000" dirty="0">
+              <a:latin typeface="Times New Roman" panose="02020603050405020304" pitchFamily="18" charset="0"/>
+              <a:cs typeface="Times New Roman" panose="02020603050405020304" pitchFamily="18" charset="0"/>
+            </a:endParaRPr>
+          </a:p>
+        </p:txBody>
+      </p:sp>
+      <p:sp>
+        <p:nvSpPr>
+          <p:cNvPr id="8" name="Hộp Văn bản 7"/>
+          <p:cNvSpPr txBox="1"/>
+          <p:nvPr/>
+        </p:nvSpPr>
+        <p:spPr>
+          <a:xfrm>
+            <a:off x="2848495" y="5486400"/>
+            <a:ext cx="6561513" cy="477054"/>
+          </a:xfrm>
+          <a:prstGeom prst="rect">
+            <a:avLst/>
+          </a:prstGeom>
+          <a:noFill/>
+        </p:spPr>
+        <p:txBody>
+          <a:bodyPr wrap="square" rtlCol="0">
+            <a:spAutoFit/>
+          </a:bodyPr>
+          <a:lstStyle/>
+          <a:p>
+            <a:r>
+              <a:rPr lang="en-US" sz="2500" dirty="0" err="1" smtClean="0">
+                <a:latin typeface="Times New Roman" panose="02020603050405020304" pitchFamily="18" charset="0"/>
+                <a:cs typeface="Times New Roman" panose="02020603050405020304" pitchFamily="18" charset="0"/>
+              </a:rPr>
+              <a:t>Biểu</a:t>
+            </a:r>
+            <a:r>
+              <a:rPr lang="en-US" sz="2500" dirty="0" smtClean="0">
+                <a:latin typeface="Times New Roman" panose="02020603050405020304" pitchFamily="18" charset="0"/>
+                <a:cs typeface="Times New Roman" panose="02020603050405020304" pitchFamily="18" charset="0"/>
+              </a:rPr>
+              <a:t> </a:t>
+            </a:r>
+            <a:r>
+              <a:rPr lang="en-US" sz="2500" dirty="0" err="1" smtClean="0">
+                <a:latin typeface="Times New Roman" panose="02020603050405020304" pitchFamily="18" charset="0"/>
+                <a:cs typeface="Times New Roman" panose="02020603050405020304" pitchFamily="18" charset="0"/>
+              </a:rPr>
+              <a:t>đồ</a:t>
+            </a:r>
+            <a:r>
+              <a:rPr lang="en-US" sz="2500" dirty="0" smtClean="0">
+                <a:latin typeface="Times New Roman" panose="02020603050405020304" pitchFamily="18" charset="0"/>
+                <a:cs typeface="Times New Roman" panose="02020603050405020304" pitchFamily="18" charset="0"/>
+              </a:rPr>
+              <a:t> </a:t>
+            </a:r>
+            <a:r>
+              <a:rPr lang="en-US" sz="2500" dirty="0" err="1" smtClean="0">
+                <a:latin typeface="Times New Roman" panose="02020603050405020304" pitchFamily="18" charset="0"/>
+                <a:cs typeface="Times New Roman" panose="02020603050405020304" pitchFamily="18" charset="0"/>
+              </a:rPr>
+              <a:t>khảo</a:t>
+            </a:r>
+            <a:r>
+              <a:rPr lang="en-US" sz="2500" dirty="0" smtClean="0">
+                <a:latin typeface="Times New Roman" panose="02020603050405020304" pitchFamily="18" charset="0"/>
+                <a:cs typeface="Times New Roman" panose="02020603050405020304" pitchFamily="18" charset="0"/>
+              </a:rPr>
+              <a:t> </a:t>
+            </a:r>
+            <a:r>
+              <a:rPr lang="en-US" sz="2500" dirty="0" err="1" smtClean="0">
+                <a:latin typeface="Times New Roman" panose="02020603050405020304" pitchFamily="18" charset="0"/>
+                <a:cs typeface="Times New Roman" panose="02020603050405020304" pitchFamily="18" charset="0"/>
+              </a:rPr>
+              <a:t>sát</a:t>
+            </a:r>
+            <a:r>
+              <a:rPr lang="en-US" sz="2500" dirty="0" smtClean="0">
+                <a:latin typeface="Times New Roman" panose="02020603050405020304" pitchFamily="18" charset="0"/>
+                <a:cs typeface="Times New Roman" panose="02020603050405020304" pitchFamily="18" charset="0"/>
+              </a:rPr>
+              <a:t> </a:t>
+            </a:r>
+            <a:r>
+              <a:rPr lang="en-US" sz="2500" dirty="0" err="1" smtClean="0">
+                <a:latin typeface="Times New Roman" panose="02020603050405020304" pitchFamily="18" charset="0"/>
+                <a:cs typeface="Times New Roman" panose="02020603050405020304" pitchFamily="18" charset="0"/>
+              </a:rPr>
+              <a:t>đánh</a:t>
+            </a:r>
+            <a:r>
+              <a:rPr lang="en-US" sz="2500" dirty="0" smtClean="0">
+                <a:latin typeface="Times New Roman" panose="02020603050405020304" pitchFamily="18" charset="0"/>
+                <a:cs typeface="Times New Roman" panose="02020603050405020304" pitchFamily="18" charset="0"/>
+              </a:rPr>
+              <a:t> </a:t>
+            </a:r>
+            <a:r>
+              <a:rPr lang="en-US" sz="2500" dirty="0" err="1" smtClean="0">
+                <a:latin typeface="Times New Roman" panose="02020603050405020304" pitchFamily="18" charset="0"/>
+                <a:cs typeface="Times New Roman" panose="02020603050405020304" pitchFamily="18" charset="0"/>
+              </a:rPr>
+              <a:t>giá</a:t>
+            </a:r>
+            <a:r>
+              <a:rPr lang="en-US" sz="2500" dirty="0" smtClean="0">
+                <a:latin typeface="Times New Roman" panose="02020603050405020304" pitchFamily="18" charset="0"/>
+                <a:cs typeface="Times New Roman" panose="02020603050405020304" pitchFamily="18" charset="0"/>
+              </a:rPr>
+              <a:t> </a:t>
+            </a:r>
+            <a:r>
+              <a:rPr lang="en-US" sz="2500" dirty="0" err="1" smtClean="0">
+                <a:latin typeface="Times New Roman" panose="02020603050405020304" pitchFamily="18" charset="0"/>
+                <a:cs typeface="Times New Roman" panose="02020603050405020304" pitchFamily="18" charset="0"/>
+              </a:rPr>
+              <a:t>tổng</a:t>
+            </a:r>
+            <a:r>
+              <a:rPr lang="en-US" sz="2500" dirty="0" smtClean="0">
+                <a:latin typeface="Times New Roman" panose="02020603050405020304" pitchFamily="18" charset="0"/>
+                <a:cs typeface="Times New Roman" panose="02020603050405020304" pitchFamily="18" charset="0"/>
+              </a:rPr>
+              <a:t> </a:t>
+            </a:r>
+            <a:r>
+              <a:rPr lang="en-US" sz="2500" dirty="0" err="1" smtClean="0">
+                <a:latin typeface="Times New Roman" panose="02020603050405020304" pitchFamily="18" charset="0"/>
+                <a:cs typeface="Times New Roman" panose="02020603050405020304" pitchFamily="18" charset="0"/>
+              </a:rPr>
+              <a:t>quan</a:t>
+            </a:r>
+            <a:r>
+              <a:rPr lang="en-US" sz="2500" dirty="0" smtClean="0">
+                <a:latin typeface="Times New Roman" panose="02020603050405020304" pitchFamily="18" charset="0"/>
+                <a:cs typeface="Times New Roman" panose="02020603050405020304" pitchFamily="18" charset="0"/>
+              </a:rPr>
+              <a:t> </a:t>
+            </a:r>
+            <a:r>
+              <a:rPr lang="en-US" sz="2500" dirty="0" err="1" smtClean="0">
+                <a:latin typeface="Times New Roman" panose="02020603050405020304" pitchFamily="18" charset="0"/>
+                <a:cs typeface="Times New Roman" panose="02020603050405020304" pitchFamily="18" charset="0"/>
+              </a:rPr>
+              <a:t>về</a:t>
+            </a:r>
+            <a:r>
+              <a:rPr lang="en-US" sz="2500" dirty="0" smtClean="0">
+                <a:latin typeface="Times New Roman" panose="02020603050405020304" pitchFamily="18" charset="0"/>
+                <a:cs typeface="Times New Roman" panose="02020603050405020304" pitchFamily="18" charset="0"/>
+              </a:rPr>
+              <a:t> </a:t>
+            </a:r>
+            <a:r>
+              <a:rPr lang="en-US" sz="2500" dirty="0" err="1" smtClean="0">
+                <a:latin typeface="Times New Roman" panose="02020603050405020304" pitchFamily="18" charset="0"/>
+                <a:cs typeface="Times New Roman" panose="02020603050405020304" pitchFamily="18" charset="0"/>
+              </a:rPr>
+              <a:t>ứng</a:t>
+            </a:r>
+            <a:r>
+              <a:rPr lang="en-US" sz="2500" dirty="0" smtClean="0">
+                <a:latin typeface="Times New Roman" panose="02020603050405020304" pitchFamily="18" charset="0"/>
+                <a:cs typeface="Times New Roman" panose="02020603050405020304" pitchFamily="18" charset="0"/>
+              </a:rPr>
+              <a:t> </a:t>
+            </a:r>
+            <a:r>
+              <a:rPr lang="en-US" sz="2500" dirty="0" err="1" smtClean="0">
+                <a:latin typeface="Times New Roman" panose="02020603050405020304" pitchFamily="18" charset="0"/>
+                <a:cs typeface="Times New Roman" panose="02020603050405020304" pitchFamily="18" charset="0"/>
+              </a:rPr>
+              <a:t>dụng</a:t>
+            </a:r>
+            <a:endParaRPr lang="en-US" sz="2500" dirty="0">
+              <a:latin typeface="Times New Roman" panose="02020603050405020304" pitchFamily="18" charset="0"/>
+              <a:cs typeface="Times New Roman" panose="02020603050405020304" pitchFamily="18" charset="0"/>
+            </a:endParaRPr>
+          </a:p>
+        </p:txBody>
+      </p:sp>
     </p:spTree>
     <p:extLst>
       <p:ext uri="{BB962C8B-B14F-4D97-AF65-F5344CB8AC3E}">
@@ -24446,14 +25779,14 @@
           <p:nvPr>
             <p:extLst>
               <p:ext uri="{D42A27DB-BD31-4B8C-83A1-F6EECF244321}">
-                <p14:modId xmlns:p14="http://schemas.microsoft.com/office/powerpoint/2010/main" val="62333000"/>
+                <p14:modId xmlns:p14="http://schemas.microsoft.com/office/powerpoint/2010/main" val="3833205320"/>
               </p:ext>
             </p:extLst>
           </p:nvPr>
         </p:nvGraphicFramePr>
         <p:xfrm>
           <a:off x="2301298" y="1650332"/>
-          <a:ext cx="7909502" cy="4572000"/>
+          <a:ext cx="7909502" cy="3657600"/>
         </p:xfrm>
         <a:graphic>
           <a:graphicData uri="http://schemas.openxmlformats.org/drawingml/2006/chart">
@@ -24461,6 +25794,182 @@
           </a:graphicData>
         </a:graphic>
       </p:graphicFrame>
+      <p:sp>
+        <p:nvSpPr>
+          <p:cNvPr id="6" name="Hộp Văn bản 5"/>
+          <p:cNvSpPr txBox="1"/>
+          <p:nvPr/>
+        </p:nvSpPr>
+        <p:spPr>
+          <a:xfrm>
+            <a:off x="2637906" y="5602778"/>
+            <a:ext cx="6916188" cy="477054"/>
+          </a:xfrm>
+          <a:prstGeom prst="rect">
+            <a:avLst/>
+          </a:prstGeom>
+          <a:noFill/>
+        </p:spPr>
+        <p:txBody>
+          <a:bodyPr wrap="square" rtlCol="0">
+            <a:spAutoFit/>
+          </a:bodyPr>
+          <a:lstStyle/>
+          <a:p>
+            <a:r>
+              <a:rPr lang="en-US" sz="2500" dirty="0" err="1" smtClean="0">
+                <a:latin typeface="Times New Roman" panose="02020603050405020304" pitchFamily="18" charset="0"/>
+                <a:cs typeface="Times New Roman" panose="02020603050405020304" pitchFamily="18" charset="0"/>
+              </a:rPr>
+              <a:t>Biểu</a:t>
+            </a:r>
+            <a:r>
+              <a:rPr lang="en-US" sz="2500" dirty="0" smtClean="0">
+                <a:latin typeface="Times New Roman" panose="02020603050405020304" pitchFamily="18" charset="0"/>
+                <a:cs typeface="Times New Roman" panose="02020603050405020304" pitchFamily="18" charset="0"/>
+              </a:rPr>
+              <a:t> </a:t>
+            </a:r>
+            <a:r>
+              <a:rPr lang="en-US" sz="2500" dirty="0" err="1" smtClean="0">
+                <a:latin typeface="Times New Roman" panose="02020603050405020304" pitchFamily="18" charset="0"/>
+                <a:cs typeface="Times New Roman" panose="02020603050405020304" pitchFamily="18" charset="0"/>
+              </a:rPr>
+              <a:t>đồ</a:t>
+            </a:r>
+            <a:r>
+              <a:rPr lang="en-US" sz="2500" dirty="0" smtClean="0">
+                <a:latin typeface="Times New Roman" panose="02020603050405020304" pitchFamily="18" charset="0"/>
+                <a:cs typeface="Times New Roman" panose="02020603050405020304" pitchFamily="18" charset="0"/>
+              </a:rPr>
+              <a:t> </a:t>
+            </a:r>
+            <a:r>
+              <a:rPr lang="en-US" sz="2500" dirty="0" err="1" smtClean="0">
+                <a:latin typeface="Times New Roman" panose="02020603050405020304" pitchFamily="18" charset="0"/>
+                <a:cs typeface="Times New Roman" panose="02020603050405020304" pitchFamily="18" charset="0"/>
+              </a:rPr>
+              <a:t>khảo</a:t>
+            </a:r>
+            <a:r>
+              <a:rPr lang="en-US" sz="2500" dirty="0" smtClean="0">
+                <a:latin typeface="Times New Roman" panose="02020603050405020304" pitchFamily="18" charset="0"/>
+                <a:cs typeface="Times New Roman" panose="02020603050405020304" pitchFamily="18" charset="0"/>
+              </a:rPr>
+              <a:t> </a:t>
+            </a:r>
+            <a:r>
+              <a:rPr lang="en-US" sz="2500" dirty="0" err="1" smtClean="0">
+                <a:latin typeface="Times New Roman" panose="02020603050405020304" pitchFamily="18" charset="0"/>
+                <a:cs typeface="Times New Roman" panose="02020603050405020304" pitchFamily="18" charset="0"/>
+              </a:rPr>
+              <a:t>sát</a:t>
+            </a:r>
+            <a:r>
+              <a:rPr lang="en-US" sz="2500" dirty="0" smtClean="0">
+                <a:latin typeface="Times New Roman" panose="02020603050405020304" pitchFamily="18" charset="0"/>
+                <a:cs typeface="Times New Roman" panose="02020603050405020304" pitchFamily="18" charset="0"/>
+              </a:rPr>
+              <a:t> </a:t>
+            </a:r>
+            <a:r>
+              <a:rPr lang="en-US" sz="2500" dirty="0" err="1" smtClean="0">
+                <a:latin typeface="Times New Roman" panose="02020603050405020304" pitchFamily="18" charset="0"/>
+                <a:cs typeface="Times New Roman" panose="02020603050405020304" pitchFamily="18" charset="0"/>
+              </a:rPr>
+              <a:t>đánh</a:t>
+            </a:r>
+            <a:r>
+              <a:rPr lang="en-US" sz="2500" dirty="0" smtClean="0">
+                <a:latin typeface="Times New Roman" panose="02020603050405020304" pitchFamily="18" charset="0"/>
+                <a:cs typeface="Times New Roman" panose="02020603050405020304" pitchFamily="18" charset="0"/>
+              </a:rPr>
+              <a:t> </a:t>
+            </a:r>
+            <a:r>
+              <a:rPr lang="en-US" sz="2500" dirty="0" err="1" smtClean="0">
+                <a:latin typeface="Times New Roman" panose="02020603050405020304" pitchFamily="18" charset="0"/>
+                <a:cs typeface="Times New Roman" panose="02020603050405020304" pitchFamily="18" charset="0"/>
+              </a:rPr>
+              <a:t>giá</a:t>
+            </a:r>
+            <a:r>
+              <a:rPr lang="en-US" sz="2500" dirty="0" smtClean="0">
+                <a:latin typeface="Times New Roman" panose="02020603050405020304" pitchFamily="18" charset="0"/>
+                <a:cs typeface="Times New Roman" panose="02020603050405020304" pitchFamily="18" charset="0"/>
+              </a:rPr>
+              <a:t> </a:t>
+            </a:r>
+            <a:r>
+              <a:rPr lang="en-US" sz="2500" dirty="0" err="1" smtClean="0">
+                <a:latin typeface="Times New Roman" panose="02020603050405020304" pitchFamily="18" charset="0"/>
+                <a:cs typeface="Times New Roman" panose="02020603050405020304" pitchFamily="18" charset="0"/>
+              </a:rPr>
+              <a:t>chức</a:t>
+            </a:r>
+            <a:r>
+              <a:rPr lang="en-US" sz="2500" dirty="0" smtClean="0">
+                <a:latin typeface="Times New Roman" panose="02020603050405020304" pitchFamily="18" charset="0"/>
+                <a:cs typeface="Times New Roman" panose="02020603050405020304" pitchFamily="18" charset="0"/>
+              </a:rPr>
+              <a:t> </a:t>
+            </a:r>
+            <a:r>
+              <a:rPr lang="en-US" sz="2500" dirty="0" err="1" smtClean="0">
+                <a:latin typeface="Times New Roman" panose="02020603050405020304" pitchFamily="18" charset="0"/>
+                <a:cs typeface="Times New Roman" panose="02020603050405020304" pitchFamily="18" charset="0"/>
+              </a:rPr>
+              <a:t>năng</a:t>
+            </a:r>
+            <a:r>
+              <a:rPr lang="en-US" sz="2500" dirty="0" smtClean="0">
+                <a:latin typeface="Times New Roman" panose="02020603050405020304" pitchFamily="18" charset="0"/>
+                <a:cs typeface="Times New Roman" panose="02020603050405020304" pitchFamily="18" charset="0"/>
+              </a:rPr>
+              <a:t> </a:t>
+            </a:r>
+            <a:r>
+              <a:rPr lang="en-US" sz="2500" dirty="0" err="1" smtClean="0">
+                <a:latin typeface="Times New Roman" panose="02020603050405020304" pitchFamily="18" charset="0"/>
+                <a:cs typeface="Times New Roman" panose="02020603050405020304" pitchFamily="18" charset="0"/>
+              </a:rPr>
+              <a:t>của</a:t>
+            </a:r>
+            <a:r>
+              <a:rPr lang="en-US" sz="2500" dirty="0" smtClean="0">
+                <a:latin typeface="Times New Roman" panose="02020603050405020304" pitchFamily="18" charset="0"/>
+                <a:cs typeface="Times New Roman" panose="02020603050405020304" pitchFamily="18" charset="0"/>
+              </a:rPr>
+              <a:t> </a:t>
+            </a:r>
+            <a:r>
+              <a:rPr lang="en-US" sz="2500" dirty="0" err="1" smtClean="0">
+                <a:latin typeface="Times New Roman" panose="02020603050405020304" pitchFamily="18" charset="0"/>
+                <a:cs typeface="Times New Roman" panose="02020603050405020304" pitchFamily="18" charset="0"/>
+              </a:rPr>
+              <a:t>ứng</a:t>
+            </a:r>
+            <a:r>
+              <a:rPr lang="en-US" sz="2500" dirty="0" smtClean="0">
+                <a:latin typeface="Times New Roman" panose="02020603050405020304" pitchFamily="18" charset="0"/>
+                <a:cs typeface="Times New Roman" panose="02020603050405020304" pitchFamily="18" charset="0"/>
+              </a:rPr>
+              <a:t> </a:t>
+            </a:r>
+            <a:r>
+              <a:rPr lang="en-US" sz="2500" dirty="0" err="1" smtClean="0">
+                <a:latin typeface="Times New Roman" panose="02020603050405020304" pitchFamily="18" charset="0"/>
+                <a:cs typeface="Times New Roman" panose="02020603050405020304" pitchFamily="18" charset="0"/>
+              </a:rPr>
+              <a:t>dụng</a:t>
+            </a:r>
+            <a:endParaRPr lang="en-US" sz="2500" dirty="0">
+              <a:latin typeface="Times New Roman" panose="02020603050405020304" pitchFamily="18" charset="0"/>
+              <a:cs typeface="Times New Roman" panose="02020603050405020304" pitchFamily="18" charset="0"/>
+            </a:endParaRPr>
+          </a:p>
+        </p:txBody>
+      </p:sp>
     </p:spTree>
     <p:extLst>
       <p:ext uri="{BB962C8B-B14F-4D97-AF65-F5344CB8AC3E}">
@@ -24828,6 +26337,66 @@
           </a:p>
         </p:txBody>
       </p:sp>
+      <p:pic>
+        <p:nvPicPr>
+          <p:cNvPr id="4" name="Ảnh 3"/>
+          <p:cNvPicPr>
+            <a:picLocks noChangeAspect="1"/>
+          </p:cNvPicPr>
+          <p:nvPr/>
+        </p:nvPicPr>
+        <p:blipFill>
+          <a:blip r:embed="rId3">
+            <a:extLst>
+              <a:ext uri="{28A0092B-C50C-407E-A947-70E740481C1C}">
+                <a14:useLocalDpi xmlns:a14="http://schemas.microsoft.com/office/drawing/2010/main" val="0"/>
+              </a:ext>
+            </a:extLst>
+          </a:blip>
+          <a:stretch>
+            <a:fillRect/>
+          </a:stretch>
+        </p:blipFill>
+        <p:spPr>
+          <a:xfrm>
+            <a:off x="2500500" y="1685284"/>
+            <a:ext cx="7191000" cy="4572000"/>
+          </a:xfrm>
+          <a:prstGeom prst="rect">
+            <a:avLst/>
+          </a:prstGeom>
+        </p:spPr>
+      </p:pic>
+      <p:pic>
+        <p:nvPicPr>
+          <p:cNvPr id="6" name="Ảnh 5"/>
+          <p:cNvPicPr>
+            <a:picLocks noChangeAspect="1"/>
+          </p:cNvPicPr>
+          <p:nvPr/>
+        </p:nvPicPr>
+        <p:blipFill>
+          <a:blip r:embed="rId4" cstate="print">
+            <a:extLst>
+              <a:ext uri="{28A0092B-C50C-407E-A947-70E740481C1C}">
+                <a14:useLocalDpi xmlns:a14="http://schemas.microsoft.com/office/drawing/2010/main" val="0"/>
+              </a:ext>
+            </a:extLst>
+          </a:blip>
+          <a:stretch>
+            <a:fillRect/>
+          </a:stretch>
+        </p:blipFill>
+        <p:spPr>
+          <a:xfrm>
+            <a:off x="5407342" y="2080259"/>
+            <a:ext cx="952500" cy="914400"/>
+          </a:xfrm>
+          <a:prstGeom prst="rect">
+            <a:avLst/>
+          </a:prstGeom>
+        </p:spPr>
+      </p:pic>
     </p:spTree>
     <p:extLst>
       <p:ext uri="{BB962C8B-B14F-4D97-AF65-F5344CB8AC3E}">
@@ -26100,7 +27669,375 @@
   <p:timing>
     <p:tnLst>
       <p:par>
-        <p:cTn id="1" dur="indefinite" restart="never" nodeType="tmRoot"/>
+        <p:cTn id="1" dur="indefinite" restart="never" nodeType="tmRoot">
+          <p:childTnLst>
+            <p:seq concurrent="1" nextAc="seek">
+              <p:cTn id="2" dur="indefinite" nodeType="mainSeq">
+                <p:childTnLst>
+                  <p:par>
+                    <p:cTn id="3" fill="hold">
+                      <p:stCondLst>
+                        <p:cond delay="indefinite"/>
+                      </p:stCondLst>
+                      <p:childTnLst>
+                        <p:par>
+                          <p:cTn id="4" fill="hold">
+                            <p:stCondLst>
+                              <p:cond delay="0"/>
+                            </p:stCondLst>
+                            <p:childTnLst>
+                              <p:par>
+                                <p:cTn id="5" presetID="42" presetClass="entr" presetSubtype="0" fill="hold" nodeType="clickEffect">
+                                  <p:stCondLst>
+                                    <p:cond delay="0"/>
+                                  </p:stCondLst>
+                                  <p:childTnLst>
+                                    <p:set>
+                                      <p:cBhvr>
+                                        <p:cTn id="6" dur="1" fill="hold">
+                                          <p:stCondLst>
+                                            <p:cond delay="0"/>
+                                          </p:stCondLst>
+                                        </p:cTn>
+                                        <p:tgtEl>
+                                          <p:spTgt spid="9">
+                                            <p:txEl>
+                                              <p:pRg st="0" end="0"/>
+                                            </p:txEl>
+                                          </p:spTgt>
+                                        </p:tgtEl>
+                                        <p:attrNameLst>
+                                          <p:attrName>style.visibility</p:attrName>
+                                        </p:attrNameLst>
+                                      </p:cBhvr>
+                                      <p:to>
+                                        <p:strVal val="visible"/>
+                                      </p:to>
+                                    </p:set>
+                                    <p:animEffect transition="in" filter="fade">
+                                      <p:cBhvr>
+                                        <p:cTn id="7" dur="1000"/>
+                                        <p:tgtEl>
+                                          <p:spTgt spid="9">
+                                            <p:txEl>
+                                              <p:pRg st="0" end="0"/>
+                                            </p:txEl>
+                                          </p:spTgt>
+                                        </p:tgtEl>
+                                      </p:cBhvr>
+                                    </p:animEffect>
+                                    <p:anim calcmode="lin" valueType="num">
+                                      <p:cBhvr>
+                                        <p:cTn id="8" dur="1000" fill="hold"/>
+                                        <p:tgtEl>
+                                          <p:spTgt spid="9">
+                                            <p:txEl>
+                                              <p:pRg st="0" end="0"/>
+                                            </p:txEl>
+                                          </p:spTgt>
+                                        </p:tgtEl>
+                                        <p:attrNameLst>
+                                          <p:attrName>ppt_x</p:attrName>
+                                        </p:attrNameLst>
+                                      </p:cBhvr>
+                                      <p:tavLst>
+                                        <p:tav tm="0">
+                                          <p:val>
+                                            <p:strVal val="#ppt_x"/>
+                                          </p:val>
+                                        </p:tav>
+                                        <p:tav tm="100000">
+                                          <p:val>
+                                            <p:strVal val="#ppt_x"/>
+                                          </p:val>
+                                        </p:tav>
+                                      </p:tavLst>
+                                    </p:anim>
+                                    <p:anim calcmode="lin" valueType="num">
+                                      <p:cBhvr>
+                                        <p:cTn id="9" dur="1000" fill="hold"/>
+                                        <p:tgtEl>
+                                          <p:spTgt spid="9">
+                                            <p:txEl>
+                                              <p:pRg st="0" end="0"/>
+                                            </p:txEl>
+                                          </p:spTgt>
+                                        </p:tgtEl>
+                                        <p:attrNameLst>
+                                          <p:attrName>ppt_y</p:attrName>
+                                        </p:attrNameLst>
+                                      </p:cBhvr>
+                                      <p:tavLst>
+                                        <p:tav tm="0">
+                                          <p:val>
+                                            <p:strVal val="#ppt_y+.1"/>
+                                          </p:val>
+                                        </p:tav>
+                                        <p:tav tm="100000">
+                                          <p:val>
+                                            <p:strVal val="#ppt_y"/>
+                                          </p:val>
+                                        </p:tav>
+                                      </p:tavLst>
+                                    </p:anim>
+                                  </p:childTnLst>
+                                </p:cTn>
+                              </p:par>
+                            </p:childTnLst>
+                          </p:cTn>
+                        </p:par>
+                      </p:childTnLst>
+                    </p:cTn>
+                  </p:par>
+                  <p:par>
+                    <p:cTn id="10" fill="hold">
+                      <p:stCondLst>
+                        <p:cond delay="indefinite"/>
+                      </p:stCondLst>
+                      <p:childTnLst>
+                        <p:par>
+                          <p:cTn id="11" fill="hold">
+                            <p:stCondLst>
+                              <p:cond delay="0"/>
+                            </p:stCondLst>
+                            <p:childTnLst>
+                              <p:par>
+                                <p:cTn id="12" presetID="42" presetClass="entr" presetSubtype="0" fill="hold" nodeType="clickEffect">
+                                  <p:stCondLst>
+                                    <p:cond delay="0"/>
+                                  </p:stCondLst>
+                                  <p:childTnLst>
+                                    <p:set>
+                                      <p:cBhvr>
+                                        <p:cTn id="13" dur="1" fill="hold">
+                                          <p:stCondLst>
+                                            <p:cond delay="0"/>
+                                          </p:stCondLst>
+                                        </p:cTn>
+                                        <p:tgtEl>
+                                          <p:spTgt spid="9">
+                                            <p:txEl>
+                                              <p:pRg st="2" end="2"/>
+                                            </p:txEl>
+                                          </p:spTgt>
+                                        </p:tgtEl>
+                                        <p:attrNameLst>
+                                          <p:attrName>style.visibility</p:attrName>
+                                        </p:attrNameLst>
+                                      </p:cBhvr>
+                                      <p:to>
+                                        <p:strVal val="visible"/>
+                                      </p:to>
+                                    </p:set>
+                                    <p:animEffect transition="in" filter="fade">
+                                      <p:cBhvr>
+                                        <p:cTn id="14" dur="1000"/>
+                                        <p:tgtEl>
+                                          <p:spTgt spid="9">
+                                            <p:txEl>
+                                              <p:pRg st="2" end="2"/>
+                                            </p:txEl>
+                                          </p:spTgt>
+                                        </p:tgtEl>
+                                      </p:cBhvr>
+                                    </p:animEffect>
+                                    <p:anim calcmode="lin" valueType="num">
+                                      <p:cBhvr>
+                                        <p:cTn id="15" dur="1000" fill="hold"/>
+                                        <p:tgtEl>
+                                          <p:spTgt spid="9">
+                                            <p:txEl>
+                                              <p:pRg st="2" end="2"/>
+                                            </p:txEl>
+                                          </p:spTgt>
+                                        </p:tgtEl>
+                                        <p:attrNameLst>
+                                          <p:attrName>ppt_x</p:attrName>
+                                        </p:attrNameLst>
+                                      </p:cBhvr>
+                                      <p:tavLst>
+                                        <p:tav tm="0">
+                                          <p:val>
+                                            <p:strVal val="#ppt_x"/>
+                                          </p:val>
+                                        </p:tav>
+                                        <p:tav tm="100000">
+                                          <p:val>
+                                            <p:strVal val="#ppt_x"/>
+                                          </p:val>
+                                        </p:tav>
+                                      </p:tavLst>
+                                    </p:anim>
+                                    <p:anim calcmode="lin" valueType="num">
+                                      <p:cBhvr>
+                                        <p:cTn id="16" dur="1000" fill="hold"/>
+                                        <p:tgtEl>
+                                          <p:spTgt spid="9">
+                                            <p:txEl>
+                                              <p:pRg st="2" end="2"/>
+                                            </p:txEl>
+                                          </p:spTgt>
+                                        </p:tgtEl>
+                                        <p:attrNameLst>
+                                          <p:attrName>ppt_y</p:attrName>
+                                        </p:attrNameLst>
+                                      </p:cBhvr>
+                                      <p:tavLst>
+                                        <p:tav tm="0">
+                                          <p:val>
+                                            <p:strVal val="#ppt_y+.1"/>
+                                          </p:val>
+                                        </p:tav>
+                                        <p:tav tm="100000">
+                                          <p:val>
+                                            <p:strVal val="#ppt_y"/>
+                                          </p:val>
+                                        </p:tav>
+                                      </p:tavLst>
+                                    </p:anim>
+                                  </p:childTnLst>
+                                </p:cTn>
+                              </p:par>
+                            </p:childTnLst>
+                          </p:cTn>
+                        </p:par>
+                      </p:childTnLst>
+                    </p:cTn>
+                  </p:par>
+                  <p:par>
+                    <p:cTn id="17" fill="hold">
+                      <p:stCondLst>
+                        <p:cond delay="indefinite"/>
+                      </p:stCondLst>
+                      <p:childTnLst>
+                        <p:par>
+                          <p:cTn id="18" fill="hold">
+                            <p:stCondLst>
+                              <p:cond delay="0"/>
+                            </p:stCondLst>
+                            <p:childTnLst>
+                              <p:par>
+                                <p:cTn id="19" presetID="42" presetClass="entr" presetSubtype="0" fill="hold" nodeType="clickEffect">
+                                  <p:stCondLst>
+                                    <p:cond delay="0"/>
+                                  </p:stCondLst>
+                                  <p:childTnLst>
+                                    <p:set>
+                                      <p:cBhvr>
+                                        <p:cTn id="20" dur="1" fill="hold">
+                                          <p:stCondLst>
+                                            <p:cond delay="0"/>
+                                          </p:stCondLst>
+                                        </p:cTn>
+                                        <p:tgtEl>
+                                          <p:spTgt spid="9">
+                                            <p:txEl>
+                                              <p:pRg st="4" end="4"/>
+                                            </p:txEl>
+                                          </p:spTgt>
+                                        </p:tgtEl>
+                                        <p:attrNameLst>
+                                          <p:attrName>style.visibility</p:attrName>
+                                        </p:attrNameLst>
+                                      </p:cBhvr>
+                                      <p:to>
+                                        <p:strVal val="visible"/>
+                                      </p:to>
+                                    </p:set>
+                                    <p:animEffect transition="in" filter="fade">
+                                      <p:cBhvr>
+                                        <p:cTn id="21" dur="1000"/>
+                                        <p:tgtEl>
+                                          <p:spTgt spid="9">
+                                            <p:txEl>
+                                              <p:pRg st="4" end="4"/>
+                                            </p:txEl>
+                                          </p:spTgt>
+                                        </p:tgtEl>
+                                      </p:cBhvr>
+                                    </p:animEffect>
+                                    <p:anim calcmode="lin" valueType="num">
+                                      <p:cBhvr>
+                                        <p:cTn id="22" dur="1000" fill="hold"/>
+                                        <p:tgtEl>
+                                          <p:spTgt spid="9">
+                                            <p:txEl>
+                                              <p:pRg st="4" end="4"/>
+                                            </p:txEl>
+                                          </p:spTgt>
+                                        </p:tgtEl>
+                                        <p:attrNameLst>
+                                          <p:attrName>ppt_x</p:attrName>
+                                        </p:attrNameLst>
+                                      </p:cBhvr>
+                                      <p:tavLst>
+                                        <p:tav tm="0">
+                                          <p:val>
+                                            <p:strVal val="#ppt_x"/>
+                                          </p:val>
+                                        </p:tav>
+                                        <p:tav tm="100000">
+                                          <p:val>
+                                            <p:strVal val="#ppt_x"/>
+                                          </p:val>
+                                        </p:tav>
+                                      </p:tavLst>
+                                    </p:anim>
+                                    <p:anim calcmode="lin" valueType="num">
+                                      <p:cBhvr>
+                                        <p:cTn id="23" dur="1000" fill="hold"/>
+                                        <p:tgtEl>
+                                          <p:spTgt spid="9">
+                                            <p:txEl>
+                                              <p:pRg st="4" end="4"/>
+                                            </p:txEl>
+                                          </p:spTgt>
+                                        </p:tgtEl>
+                                        <p:attrNameLst>
+                                          <p:attrName>ppt_y</p:attrName>
+                                        </p:attrNameLst>
+                                      </p:cBhvr>
+                                      <p:tavLst>
+                                        <p:tav tm="0">
+                                          <p:val>
+                                            <p:strVal val="#ppt_y+.1"/>
+                                          </p:val>
+                                        </p:tav>
+                                        <p:tav tm="100000">
+                                          <p:val>
+                                            <p:strVal val="#ppt_y"/>
+                                          </p:val>
+                                        </p:tav>
+                                      </p:tavLst>
+                                    </p:anim>
+                                  </p:childTnLst>
+                                </p:cTn>
+                              </p:par>
+                            </p:childTnLst>
+                          </p:cTn>
+                        </p:par>
+                      </p:childTnLst>
+                    </p:cTn>
+                  </p:par>
+                </p:childTnLst>
+              </p:cTn>
+              <p:prevCondLst>
+                <p:cond evt="onPrev" delay="0">
+                  <p:tgtEl>
+                    <p:sldTgt/>
+                  </p:tgtEl>
+                </p:cond>
+              </p:prevCondLst>
+              <p:nextCondLst>
+                <p:cond evt="onNext" delay="0">
+                  <p:tgtEl>
+                    <p:sldTgt/>
+                  </p:tgtEl>
+                </p:cond>
+              </p:nextCondLst>
+            </p:seq>
+          </p:childTnLst>
+        </p:cTn>
       </p:par>
     </p:tnLst>
   </p:timing>

--- a/slide.pptx
+++ b/slide.pptx
@@ -157,14 +157,14 @@
 
 <file path=ppt/commentAuthors.xml><?xml version="1.0" encoding="utf-8"?>
 <p:cmAuthorLst xmlns:a="http://schemas.openxmlformats.org/drawingml/2006/main" xmlns:r="http://schemas.openxmlformats.org/officeDocument/2006/relationships" xmlns:p="http://schemas.openxmlformats.org/presentationml/2006/main">
-  <p:cmAuthor id="5" name="Tác giả" initials="A" lastIdx="0" clrIdx="4"/>
+  <p:cmAuthor id="6" name="Author" initials="A" lastIdx="0" clrIdx="5"/>
 </p:cmAuthorLst>
 </file>
 
 <file path=ppt/charts/chart1.xml><?xml version="1.0" encoding="utf-8"?>
 <c:chartSpace xmlns:c="http://schemas.openxmlformats.org/drawingml/2006/chart" xmlns:a="http://schemas.openxmlformats.org/drawingml/2006/main" xmlns:r="http://schemas.openxmlformats.org/officeDocument/2006/relationships">
   <c:date1904 val="0"/>
-  <c:lang val="vi-VN"/>
+  <c:lang val="en-US"/>
   <c:roundedCorners val="0"/>
   <mc:AlternateContent xmlns:mc="http://schemas.openxmlformats.org/markup-compatibility/2006">
     <mc:Choice xmlns:c14="http://schemas.microsoft.com/office/drawing/2007/8/2/chart" Requires="c14">
@@ -355,11 +355,11 @@
         </c:dLbls>
         <c:marker val="1"/>
         <c:smooth val="0"/>
-        <c:axId val="261276992"/>
-        <c:axId val="261278168"/>
+        <c:axId val="-1931621184"/>
+        <c:axId val="-1976401200"/>
       </c:lineChart>
       <c:catAx>
-        <c:axId val="261276992"/>
+        <c:axId val="-1931621184"/>
         <c:scaling>
           <c:orientation val="minMax"/>
         </c:scaling>
@@ -479,7 +479,7 @@
             <a:endParaRPr lang="en-US"/>
           </a:p>
         </c:txPr>
-        <c:crossAx val="261278168"/>
+        <c:crossAx val="-1976401200"/>
         <c:crosses val="autoZero"/>
         <c:auto val="1"/>
         <c:lblAlgn val="ctr"/>
@@ -487,7 +487,7 @@
         <c:noMultiLvlLbl val="0"/>
       </c:catAx>
       <c:valAx>
-        <c:axId val="261278168"/>
+        <c:axId val="-1976401200"/>
         <c:scaling>
           <c:orientation val="minMax"/>
         </c:scaling>
@@ -622,7 +622,7 @@
             <a:endParaRPr lang="en-US"/>
           </a:p>
         </c:txPr>
-        <c:crossAx val="261276992"/>
+        <c:crossAx val="-1931621184"/>
         <c:crosses val="autoZero"/>
         <c:crossBetween val="between"/>
       </c:valAx>
@@ -695,7 +695,7 @@
 <file path=ppt/charts/chart2.xml><?xml version="1.0" encoding="utf-8"?>
 <c:chartSpace xmlns:c="http://schemas.openxmlformats.org/drawingml/2006/chart" xmlns:a="http://schemas.openxmlformats.org/drawingml/2006/main" xmlns:r="http://schemas.openxmlformats.org/officeDocument/2006/relationships">
   <c:date1904 val="0"/>
-  <c:lang val="vi-VN"/>
+  <c:lang val="en-US"/>
   <c:roundedCorners val="0"/>
   <mc:AlternateContent xmlns:mc="http://schemas.openxmlformats.org/markup-compatibility/2006">
     <mc:Choice xmlns:c14="http://schemas.microsoft.com/office/drawing/2007/8/2/chart" Requires="c14">
@@ -886,11 +886,11 @@
         </c:dLbls>
         <c:marker val="1"/>
         <c:smooth val="0"/>
-        <c:axId val="261278952"/>
-        <c:axId val="261280128"/>
+        <c:axId val="-1976395760"/>
+        <c:axId val="-1976399568"/>
       </c:lineChart>
       <c:catAx>
-        <c:axId val="261278952"/>
+        <c:axId val="-1976395760"/>
         <c:scaling>
           <c:orientation val="minMax"/>
         </c:scaling>
@@ -1002,7 +1002,7 @@
             <a:endParaRPr lang="en-US"/>
           </a:p>
         </c:txPr>
-        <c:crossAx val="261280128"/>
+        <c:crossAx val="-1976399568"/>
         <c:crosses val="autoZero"/>
         <c:auto val="1"/>
         <c:lblAlgn val="ctr"/>
@@ -1010,7 +1010,7 @@
         <c:noMultiLvlLbl val="0"/>
       </c:catAx>
       <c:valAx>
-        <c:axId val="261280128"/>
+        <c:axId val="-1976399568"/>
         <c:scaling>
           <c:orientation val="minMax"/>
         </c:scaling>
@@ -1130,7 +1130,7 @@
             <a:endParaRPr lang="en-US"/>
           </a:p>
         </c:txPr>
-        <c:crossAx val="261278952"/>
+        <c:crossAx val="-1976395760"/>
         <c:crosses val="autoZero"/>
         <c:crossBetween val="between"/>
       </c:valAx>
@@ -1203,7 +1203,7 @@
 <file path=ppt/charts/chart3.xml><?xml version="1.0" encoding="utf-8"?>
 <c:chartSpace xmlns:c="http://schemas.openxmlformats.org/drawingml/2006/chart" xmlns:a="http://schemas.openxmlformats.org/drawingml/2006/main" xmlns:r="http://schemas.openxmlformats.org/officeDocument/2006/relationships">
   <c:date1904 val="0"/>
-  <c:lang val="vi-VN"/>
+  <c:lang val="en-US"/>
   <c:roundedCorners val="0"/>
   <mc:AlternateContent xmlns:mc="http://schemas.openxmlformats.org/markup-compatibility/2006">
     <mc:Choice xmlns:c14="http://schemas.microsoft.com/office/drawing/2007/8/2/chart" Requires="c14">
@@ -1394,11 +1394,11 @@
         </c:dLbls>
         <c:marker val="1"/>
         <c:smooth val="0"/>
-        <c:axId val="261280912"/>
-        <c:axId val="261281304"/>
+        <c:axId val="-1976400656"/>
+        <c:axId val="-1976397936"/>
       </c:lineChart>
       <c:catAx>
-        <c:axId val="261280912"/>
+        <c:axId val="-1976400656"/>
         <c:scaling>
           <c:orientation val="minMax"/>
         </c:scaling>
@@ -1510,7 +1510,7 @@
             <a:endParaRPr lang="en-US"/>
           </a:p>
         </c:txPr>
-        <c:crossAx val="261281304"/>
+        <c:crossAx val="-1976397936"/>
         <c:crosses val="autoZero"/>
         <c:auto val="1"/>
         <c:lblAlgn val="ctr"/>
@@ -1518,7 +1518,7 @@
         <c:noMultiLvlLbl val="0"/>
       </c:catAx>
       <c:valAx>
-        <c:axId val="261281304"/>
+        <c:axId val="-1976397936"/>
         <c:scaling>
           <c:orientation val="minMax"/>
         </c:scaling>
@@ -1638,7 +1638,7 @@
             <a:endParaRPr lang="en-US"/>
           </a:p>
         </c:txPr>
-        <c:crossAx val="261280912"/>
+        <c:crossAx val="-1976400656"/>
         <c:crosses val="autoZero"/>
         <c:crossBetween val="between"/>
       </c:valAx>
@@ -1711,7 +1711,7 @@
 <file path=ppt/charts/chart4.xml><?xml version="1.0" encoding="utf-8"?>
 <c:chartSpace xmlns:c="http://schemas.openxmlformats.org/drawingml/2006/chart" xmlns:a="http://schemas.openxmlformats.org/drawingml/2006/main" xmlns:r="http://schemas.openxmlformats.org/officeDocument/2006/relationships">
   <c:date1904 val="0"/>
-  <c:lang val="vi-VN"/>
+  <c:lang val="en-US"/>
   <c:roundedCorners val="0"/>
   <mc:AlternateContent xmlns:mc="http://schemas.openxmlformats.org/markup-compatibility/2006">
     <mc:Choice xmlns:c14="http://schemas.microsoft.com/office/drawing/2007/8/2/chart" Requires="c14">
@@ -1902,11 +1902,11 @@
         </c:dLbls>
         <c:marker val="1"/>
         <c:smooth val="0"/>
-        <c:axId val="224785656"/>
-        <c:axId val="319581680"/>
+        <c:axId val="-1976402288"/>
+        <c:axId val="-1976398480"/>
       </c:lineChart>
       <c:catAx>
-        <c:axId val="224785656"/>
+        <c:axId val="-1976402288"/>
         <c:scaling>
           <c:orientation val="minMax"/>
         </c:scaling>
@@ -2018,7 +2018,7 @@
             <a:endParaRPr lang="en-US"/>
           </a:p>
         </c:txPr>
-        <c:crossAx val="319581680"/>
+        <c:crossAx val="-1976398480"/>
         <c:crosses val="autoZero"/>
         <c:auto val="1"/>
         <c:lblAlgn val="ctr"/>
@@ -2026,7 +2026,7 @@
         <c:noMultiLvlLbl val="0"/>
       </c:catAx>
       <c:valAx>
-        <c:axId val="319581680"/>
+        <c:axId val="-1976398480"/>
         <c:scaling>
           <c:orientation val="minMax"/>
         </c:scaling>
@@ -2146,7 +2146,7 @@
             <a:endParaRPr lang="en-US"/>
           </a:p>
         </c:txPr>
-        <c:crossAx val="224785656"/>
+        <c:crossAx val="-1976402288"/>
         <c:crosses val="autoZero"/>
         <c:crossBetween val="between"/>
       </c:valAx>
@@ -2219,7 +2219,7 @@
 <file path=ppt/charts/chart5.xml><?xml version="1.0" encoding="utf-8"?>
 <c:chartSpace xmlns:c="http://schemas.openxmlformats.org/drawingml/2006/chart" xmlns:a="http://schemas.openxmlformats.org/drawingml/2006/main" xmlns:r="http://schemas.openxmlformats.org/officeDocument/2006/relationships">
   <c:date1904 val="0"/>
-  <c:lang val="vi-VN"/>
+  <c:lang val="en-US"/>
   <c:roundedCorners val="0"/>
   <mc:AlternateContent xmlns:mc="http://schemas.openxmlformats.org/markup-compatibility/2006">
     <mc:Choice xmlns:c14="http://schemas.microsoft.com/office/drawing/2007/8/2/chart" Requires="c14">
@@ -2410,11 +2410,11 @@
         </c:dLbls>
         <c:marker val="1"/>
         <c:smooth val="0"/>
-        <c:axId val="319579328"/>
-        <c:axId val="319579720"/>
+        <c:axId val="-1926795824"/>
+        <c:axId val="-1926792560"/>
       </c:lineChart>
       <c:catAx>
-        <c:axId val="319579328"/>
+        <c:axId val="-1926795824"/>
         <c:scaling>
           <c:orientation val="minMax"/>
         </c:scaling>
@@ -2526,7 +2526,7 @@
             <a:endParaRPr lang="en-US"/>
           </a:p>
         </c:txPr>
-        <c:crossAx val="319579720"/>
+        <c:crossAx val="-1926792560"/>
         <c:crosses val="autoZero"/>
         <c:auto val="1"/>
         <c:lblAlgn val="ctr"/>
@@ -2534,7 +2534,7 @@
         <c:noMultiLvlLbl val="0"/>
       </c:catAx>
       <c:valAx>
-        <c:axId val="319579720"/>
+        <c:axId val="-1926792560"/>
         <c:scaling>
           <c:orientation val="minMax"/>
         </c:scaling>
@@ -2654,7 +2654,7 @@
             <a:endParaRPr lang="en-US"/>
           </a:p>
         </c:txPr>
-        <c:crossAx val="319579328"/>
+        <c:crossAx val="-1926795824"/>
         <c:crosses val="autoZero"/>
         <c:crossBetween val="between"/>
       </c:valAx>
@@ -2727,7 +2727,7 @@
 <file path=ppt/charts/chart6.xml><?xml version="1.0" encoding="utf-8"?>
 <c:chartSpace xmlns:c="http://schemas.openxmlformats.org/drawingml/2006/chart" xmlns:a="http://schemas.openxmlformats.org/drawingml/2006/main" xmlns:r="http://schemas.openxmlformats.org/officeDocument/2006/relationships">
   <c:date1904 val="0"/>
-  <c:lang val="vi-VN"/>
+  <c:lang val="en-US"/>
   <c:roundedCorners val="0"/>
   <mc:AlternateContent xmlns:mc="http://schemas.openxmlformats.org/markup-compatibility/2006">
     <mc:Choice xmlns:c14="http://schemas.microsoft.com/office/drawing/2007/8/2/chart" Requires="c14">
@@ -2825,11 +2825,11 @@
           <c:showBubbleSize val="0"/>
         </c:dLbls>
         <c:gapWidth val="182"/>
-        <c:axId val="319582464"/>
-        <c:axId val="319585600"/>
+        <c:axId val="-1926789840"/>
+        <c:axId val="-1926792016"/>
       </c:barChart>
       <c:catAx>
-        <c:axId val="319582464"/>
+        <c:axId val="-1926789840"/>
         <c:scaling>
           <c:orientation val="minMax"/>
         </c:scaling>
@@ -2872,7 +2872,7 @@
             <a:endParaRPr lang="en-US"/>
           </a:p>
         </c:txPr>
-        <c:crossAx val="319585600"/>
+        <c:crossAx val="-1926792016"/>
         <c:crosses val="autoZero"/>
         <c:auto val="1"/>
         <c:lblAlgn val="ctr"/>
@@ -2880,7 +2880,7 @@
         <c:noMultiLvlLbl val="0"/>
       </c:catAx>
       <c:valAx>
-        <c:axId val="319585600"/>
+        <c:axId val="-1926792016"/>
         <c:scaling>
           <c:orientation val="minMax"/>
           <c:max val="10"/>
@@ -3001,7 +3001,7 @@
             <a:endParaRPr lang="en-US"/>
           </a:p>
         </c:txPr>
-        <c:crossAx val="319582464"/>
+        <c:crossAx val="-1926789840"/>
         <c:crosses val="autoZero"/>
         <c:crossBetween val="between"/>
       </c:valAx>
@@ -3043,7 +3043,7 @@
 <file path=ppt/charts/chart7.xml><?xml version="1.0" encoding="utf-8"?>
 <c:chartSpace xmlns:c="http://schemas.openxmlformats.org/drawingml/2006/chart" xmlns:a="http://schemas.openxmlformats.org/drawingml/2006/main" xmlns:r="http://schemas.openxmlformats.org/officeDocument/2006/relationships">
   <c:date1904 val="0"/>
-  <c:lang val="vi-VN"/>
+  <c:lang val="en-US"/>
   <c:roundedCorners val="0"/>
   <mc:AlternateContent xmlns:mc="http://schemas.openxmlformats.org/markup-compatibility/2006">
     <mc:Choice xmlns:c14="http://schemas.microsoft.com/office/drawing/2007/8/2/chart" Requires="c14">
@@ -3131,11 +3131,11 @@
           <c:showBubbleSize val="0"/>
         </c:dLbls>
         <c:gapWidth val="182"/>
-        <c:axId val="319584032"/>
-        <c:axId val="319584816"/>
+        <c:axId val="-1926791472"/>
+        <c:axId val="-1926788752"/>
       </c:barChart>
       <c:catAx>
-        <c:axId val="319584032"/>
+        <c:axId val="-1926791472"/>
         <c:scaling>
           <c:orientation val="minMax"/>
         </c:scaling>
@@ -3178,7 +3178,7 @@
             <a:endParaRPr lang="en-US"/>
           </a:p>
         </c:txPr>
-        <c:crossAx val="319584816"/>
+        <c:crossAx val="-1926788752"/>
         <c:crosses val="autoZero"/>
         <c:auto val="1"/>
         <c:lblAlgn val="ctr"/>
@@ -3186,7 +3186,7 @@
         <c:noMultiLvlLbl val="0"/>
       </c:catAx>
       <c:valAx>
-        <c:axId val="319584816"/>
+        <c:axId val="-1926788752"/>
         <c:scaling>
           <c:orientation val="minMax"/>
         </c:scaling>
@@ -3300,7 +3300,7 @@
             <a:endParaRPr lang="en-US"/>
           </a:p>
         </c:txPr>
-        <c:crossAx val="319584032"/>
+        <c:crossAx val="-1926791472"/>
         <c:crosses val="autoZero"/>
         <c:crossBetween val="between"/>
       </c:valAx>
@@ -3345,7 +3345,7 @@
 <file path=ppt/charts/chart8.xml><?xml version="1.0" encoding="utf-8"?>
 <c:chartSpace xmlns:c="http://schemas.openxmlformats.org/drawingml/2006/chart" xmlns:a="http://schemas.openxmlformats.org/drawingml/2006/main" xmlns:r="http://schemas.openxmlformats.org/officeDocument/2006/relationships">
   <c:date1904 val="0"/>
-  <c:lang val="vi-VN"/>
+  <c:lang val="en-US"/>
   <c:roundedCorners val="0"/>
   <mc:AlternateContent xmlns:mc="http://schemas.openxmlformats.org/markup-compatibility/2006">
     <mc:Choice xmlns:c14="http://schemas.microsoft.com/office/drawing/2007/8/2/chart" Requires="c14">
@@ -3433,11 +3433,11 @@
           <c:showBubbleSize val="0"/>
         </c:dLbls>
         <c:gapWidth val="182"/>
-        <c:axId val="319582856"/>
-        <c:axId val="319585208"/>
+        <c:axId val="-1926794192"/>
+        <c:axId val="-1926178368"/>
       </c:barChart>
       <c:catAx>
-        <c:axId val="319582856"/>
+        <c:axId val="-1926794192"/>
         <c:scaling>
           <c:orientation val="minMax"/>
         </c:scaling>
@@ -3480,7 +3480,7 @@
             <a:endParaRPr lang="en-US"/>
           </a:p>
         </c:txPr>
-        <c:crossAx val="319585208"/>
+        <c:crossAx val="-1926178368"/>
         <c:crosses val="autoZero"/>
         <c:auto val="1"/>
         <c:lblAlgn val="ctr"/>
@@ -3488,7 +3488,7 @@
         <c:noMultiLvlLbl val="0"/>
       </c:catAx>
       <c:valAx>
-        <c:axId val="319585208"/>
+        <c:axId val="-1926178368"/>
         <c:scaling>
           <c:orientation val="minMax"/>
           <c:min val="0"/>
@@ -3609,7 +3609,7 @@
             <a:endParaRPr lang="en-US"/>
           </a:p>
         </c:txPr>
-        <c:crossAx val="319582856"/>
+        <c:crossAx val="-1926794192"/>
         <c:crosses val="autoZero"/>
         <c:crossBetween val="between"/>
       </c:valAx>
@@ -8080,7 +8080,7 @@
           <a:p>
             <a:fld id="{20EA5F0D-C1DC-412F-A146-DDB3A74B588F}" type="datetimeFigureOut">
               <a:rPr lang="en-US"/>
-              <a:t>7/14/2016</a:t>
+              <a:t>16/07/2016</a:t>
             </a:fld>
             <a:endParaRPr/>
           </a:p>
@@ -8245,7 +8245,7 @@
           <a:p>
             <a:fld id="{A8CDE508-72C8-4AB5-AA9C-1584D31690E0}" type="datetimeFigureOut">
               <a:rPr lang="en-US"/>
-              <a:t>7/14/2016</a:t>
+              <a:t>16/07/2016</a:t>
             </a:fld>
             <a:endParaRPr/>
           </a:p>
@@ -28373,7 +28373,7 @@
         <p:spPr>
           <a:xfrm>
             <a:off x="1205471" y="1617081"/>
-            <a:ext cx="3643952" cy="830997"/>
+            <a:ext cx="3643952" cy="553998"/>
           </a:xfrm>
           <a:prstGeom prst="rect">
             <a:avLst/>
@@ -28398,11 +28398,25 @@
                 <a:latin typeface="Times New Roman" panose="02020603050405020304" pitchFamily="18" charset="0"/>
                 <a:cs typeface="Times New Roman" panose="02020603050405020304" pitchFamily="18" charset="0"/>
               </a:rPr>
-              <a:t>Cơ sở dữ liệu:</a:t>
-            </a:r>
-          </a:p>
-          <a:p>
-            <a:endParaRPr lang="en-US"/>
+              <a:t>Cơ sở dữ liệu</a:t>
+            </a:r>
+            <a:r>
+              <a:rPr lang="en-US" sz="3000" smtClean="0">
+                <a:solidFill>
+                  <a:srgbClr val="0070C0"/>
+                </a:solidFill>
+                <a:latin typeface="Times New Roman" panose="02020603050405020304" pitchFamily="18" charset="0"/>
+                <a:cs typeface="Times New Roman" panose="02020603050405020304" pitchFamily="18" charset="0"/>
+              </a:rPr>
+              <a:t>:</a:t>
+            </a:r>
+            <a:endParaRPr lang="en-US" sz="3000" smtClean="0">
+              <a:solidFill>
+                <a:srgbClr val="0070C0"/>
+              </a:solidFill>
+              <a:latin typeface="Times New Roman" panose="02020603050405020304" pitchFamily="18" charset="0"/>
+              <a:cs typeface="Times New Roman" panose="02020603050405020304" pitchFamily="18" charset="0"/>
+            </a:endParaRPr>
           </a:p>
         </p:txBody>
       </p:sp>
